--- a/documents/SpringCoreConcepts.pptx
+++ b/documents/SpringCoreConcepts.pptx
@@ -9,13 +9,15 @@
     <p:sldId id="257" r:id="rId3"/>
     <p:sldId id="258" r:id="rId4"/>
     <p:sldId id="259" r:id="rId5"/>
-    <p:sldId id="260" r:id="rId6"/>
-    <p:sldId id="261" r:id="rId7"/>
-    <p:sldId id="262" r:id="rId8"/>
-    <p:sldId id="263" r:id="rId9"/>
-    <p:sldId id="264" r:id="rId10"/>
-    <p:sldId id="265" r:id="rId11"/>
-    <p:sldId id="266" r:id="rId12"/>
+    <p:sldId id="267" r:id="rId6"/>
+    <p:sldId id="268" r:id="rId7"/>
+    <p:sldId id="260" r:id="rId8"/>
+    <p:sldId id="261" r:id="rId9"/>
+    <p:sldId id="262" r:id="rId10"/>
+    <p:sldId id="263" r:id="rId11"/>
+    <p:sldId id="264" r:id="rId12"/>
+    <p:sldId id="265" r:id="rId13"/>
+    <p:sldId id="266" r:id="rId14"/>
   </p:sldIdLst>
   <p:sldSz cx="9144000" cy="6858000" type="screen4x3"/>
   <p:notesSz cx="6858000" cy="9144000"/>
@@ -396,7 +398,7 @@
           <a:p>
             <a:fld id="{E90C4CEC-16D5-4229-B4DE-FDE9B679D7E2}" type="datetimeFigureOut">
               <a:rPr lang="en-US" smtClean="0"/>
-              <a:t>17/03/16</a:t>
+              <a:t>13/04/16</a:t>
             </a:fld>
             <a:endParaRPr lang="en-US"/>
           </a:p>
@@ -700,7 +702,7 @@
           <a:p>
             <a:fld id="{E90C4CEC-16D5-4229-B4DE-FDE9B679D7E2}" type="datetimeFigureOut">
               <a:rPr lang="en-US" smtClean="0"/>
-              <a:t>17/03/16</a:t>
+              <a:t>13/04/16</a:t>
             </a:fld>
             <a:endParaRPr lang="en-US"/>
           </a:p>
@@ -893,7 +895,7 @@
           <a:p>
             <a:fld id="{E90C4CEC-16D5-4229-B4DE-FDE9B679D7E2}" type="datetimeFigureOut">
               <a:rPr lang="en-US" smtClean="0"/>
-              <a:t>17/03/16</a:t>
+              <a:t>13/04/16</a:t>
             </a:fld>
             <a:endParaRPr lang="en-US"/>
           </a:p>
@@ -1096,7 +1098,7 @@
           <a:p>
             <a:fld id="{E90C4CEC-16D5-4229-B4DE-FDE9B679D7E2}" type="datetimeFigureOut">
               <a:rPr lang="en-US" smtClean="0"/>
-              <a:t>17/03/16</a:t>
+              <a:t>13/04/16</a:t>
             </a:fld>
             <a:endParaRPr lang="en-US"/>
           </a:p>
@@ -1289,7 +1291,7 @@
           <a:p>
             <a:fld id="{E90C4CEC-16D5-4229-B4DE-FDE9B679D7E2}" type="datetimeFigureOut">
               <a:rPr lang="en-US" smtClean="0"/>
-              <a:t>17/03/16</a:t>
+              <a:t>13/04/16</a:t>
             </a:fld>
             <a:endParaRPr lang="en-US"/>
           </a:p>
@@ -1620,7 +1622,7 @@
           <a:p>
             <a:fld id="{E90C4CEC-16D5-4229-B4DE-FDE9B679D7E2}" type="datetimeFigureOut">
               <a:rPr lang="en-US" smtClean="0"/>
-              <a:t>17/03/16</a:t>
+              <a:t>13/04/16</a:t>
             </a:fld>
             <a:endParaRPr lang="en-US"/>
           </a:p>
@@ -1936,7 +1938,7 @@
           <a:p>
             <a:fld id="{E90C4CEC-16D5-4229-B4DE-FDE9B679D7E2}" type="datetimeFigureOut">
               <a:rPr lang="en-US" smtClean="0"/>
-              <a:t>17/03/16</a:t>
+              <a:t>13/04/16</a:t>
             </a:fld>
             <a:endParaRPr lang="en-US"/>
           </a:p>
@@ -2396,7 +2398,7 @@
           <a:p>
             <a:fld id="{E90C4CEC-16D5-4229-B4DE-FDE9B679D7E2}" type="datetimeFigureOut">
               <a:rPr lang="en-US" smtClean="0"/>
-              <a:t>17/03/16</a:t>
+              <a:t>13/04/16</a:t>
             </a:fld>
             <a:endParaRPr lang="en-US"/>
           </a:p>
@@ -2533,7 +2535,7 @@
           <a:p>
             <a:fld id="{E90C4CEC-16D5-4229-B4DE-FDE9B679D7E2}" type="datetimeFigureOut">
               <a:rPr lang="en-US" smtClean="0"/>
-              <a:t>17/03/16</a:t>
+              <a:t>13/04/16</a:t>
             </a:fld>
             <a:endParaRPr lang="en-US"/>
           </a:p>
@@ -2647,7 +2649,7 @@
           <a:p>
             <a:fld id="{E90C4CEC-16D5-4229-B4DE-FDE9B679D7E2}" type="datetimeFigureOut">
               <a:rPr lang="en-US" smtClean="0"/>
-              <a:t>17/03/16</a:t>
+              <a:t>13/04/16</a:t>
             </a:fld>
             <a:endParaRPr lang="en-US"/>
           </a:p>
@@ -2953,7 +2955,7 @@
           <a:p>
             <a:fld id="{E90C4CEC-16D5-4229-B4DE-FDE9B679D7E2}" type="datetimeFigureOut">
               <a:rPr lang="en-US" smtClean="0"/>
-              <a:t>17/03/16</a:t>
+              <a:t>13/04/16</a:t>
             </a:fld>
             <a:endParaRPr lang="en-US"/>
           </a:p>
@@ -3275,7 +3277,7 @@
           <a:p>
             <a:fld id="{E90C4CEC-16D5-4229-B4DE-FDE9B679D7E2}" type="datetimeFigureOut">
               <a:rPr lang="en-US" smtClean="0"/>
-              <a:t>17/03/16</a:t>
+              <a:t>13/04/16</a:t>
             </a:fld>
             <a:endParaRPr lang="en-US"/>
           </a:p>
@@ -3484,7 +3486,7 @@
           <a:p>
             <a:fld id="{E90C4CEC-16D5-4229-B4DE-FDE9B679D7E2}" type="datetimeFigureOut">
               <a:rPr lang="en-US" smtClean="0"/>
-              <a:t>17/03/16</a:t>
+              <a:t>13/04/16</a:t>
             </a:fld>
             <a:endParaRPr lang="en-US"/>
           </a:p>
@@ -3975,1451 +3977,6 @@
       </p:grpSpPr>
       <p:sp>
         <p:nvSpPr>
-          <p:cNvPr id="2" name="Title 1"/>
-          <p:cNvSpPr>
-            <a:spLocks noGrp="1"/>
-          </p:cNvSpPr>
-          <p:nvPr>
-            <p:ph type="title"/>
-          </p:nvPr>
-        </p:nvSpPr>
-        <p:spPr>
-          <a:xfrm>
-            <a:off x="1089024" y="274637"/>
-            <a:ext cx="6778733" cy="632615"/>
-          </a:xfrm>
-        </p:spPr>
-        <p:txBody>
-          <a:bodyPr/>
-          <a:lstStyle/>
-          <a:p>
-            <a:r>
-              <a:rPr lang="en-US" sz="2400" dirty="0" smtClean="0"/>
-              <a:t>Dispatch-servlet equivalent java </a:t>
-            </a:r>
-            <a:r>
-              <a:rPr lang="en-US" sz="2400" dirty="0" err="1" smtClean="0"/>
-              <a:t>config</a:t>
-            </a:r>
-            <a:endParaRPr lang="en-US" sz="2400" dirty="0"/>
-          </a:p>
-        </p:txBody>
-      </p:sp>
-      <p:sp>
-        <p:nvSpPr>
-          <p:cNvPr id="3" name="Content Placeholder 2"/>
-          <p:cNvSpPr>
-            <a:spLocks noGrp="1"/>
-          </p:cNvSpPr>
-          <p:nvPr>
-            <p:ph idx="1"/>
-          </p:nvPr>
-        </p:nvSpPr>
-        <p:spPr>
-          <a:xfrm>
-            <a:off x="1089024" y="1022720"/>
-            <a:ext cx="7272339" cy="5103443"/>
-          </a:xfrm>
-        </p:spPr>
-        <p:txBody>
-          <a:bodyPr/>
-          <a:lstStyle/>
-          <a:p>
-            <a:r>
-              <a:rPr lang="en-US" dirty="0" smtClean="0"/>
-              <a:t>In-order to achieve this configuration write new class which extends </a:t>
-            </a:r>
-            <a:r>
-              <a:rPr lang="en-US" b="1" dirty="0" err="1" smtClean="0"/>
-              <a:t>WebMvcConfigurerAdapter</a:t>
-            </a:r>
-            <a:r>
-              <a:rPr lang="en-US" b="1" dirty="0" smtClean="0"/>
-              <a:t>. </a:t>
-            </a:r>
-            <a:endParaRPr lang="en-US" b="1" dirty="0"/>
-          </a:p>
-          <a:p>
-            <a:r>
-              <a:rPr lang="en-US" dirty="0" smtClean="0"/>
-              <a:t>Annotate this class with @</a:t>
-            </a:r>
-            <a:r>
-              <a:rPr lang="en-US" dirty="0" err="1" smtClean="0"/>
-              <a:t>EnableWebMvc</a:t>
-            </a:r>
-            <a:r>
-              <a:rPr lang="en-US" dirty="0" smtClean="0"/>
-              <a:t> and override some of the methods or beans like </a:t>
-            </a:r>
-            <a:r>
-              <a:rPr lang="en-US" dirty="0" err="1" smtClean="0"/>
-              <a:t>localeResolver</a:t>
-            </a:r>
-            <a:r>
-              <a:rPr lang="en-US" dirty="0" smtClean="0"/>
-              <a:t> , </a:t>
-            </a:r>
-            <a:r>
-              <a:rPr lang="en-US" dirty="0" err="1" smtClean="0"/>
-              <a:t>viewResolver</a:t>
-            </a:r>
-            <a:r>
-              <a:rPr lang="en-US" dirty="0" smtClean="0"/>
-              <a:t> etc.</a:t>
-            </a:r>
-          </a:p>
-          <a:p>
-            <a:r>
-              <a:rPr lang="en-US" dirty="0" smtClean="0"/>
-              <a:t>Similarly to enable Security write a class which extends </a:t>
-            </a:r>
-            <a:r>
-              <a:rPr lang="en-US" dirty="0" err="1" smtClean="0"/>
-              <a:t>WebSecurityConfigurerAdapter</a:t>
-            </a:r>
-            <a:r>
-              <a:rPr lang="en-US" dirty="0" smtClean="0"/>
-              <a:t> and annotate method with @</a:t>
-            </a:r>
-            <a:r>
-              <a:rPr lang="en-US" dirty="0" err="1" smtClean="0"/>
-              <a:t>EnableWebMvcSecurity</a:t>
-            </a:r>
-            <a:endParaRPr lang="en-US" dirty="0"/>
-          </a:p>
-        </p:txBody>
-      </p:sp>
-    </p:spTree>
-    <p:extLst>
-      <p:ext uri="{BB962C8B-B14F-4D97-AF65-F5344CB8AC3E}">
-        <p14:creationId xmlns:p14="http://schemas.microsoft.com/office/powerpoint/2010/main" val="444929711"/>
-      </p:ext>
-    </p:extLst>
-  </p:cSld>
-  <p:clrMapOvr>
-    <a:masterClrMapping/>
-  </p:clrMapOvr>
-  <p:timing>
-    <p:tnLst>
-      <p:par>
-        <p:cTn xmlns:p14="http://schemas.microsoft.com/office/powerpoint/2010/main" id="1" dur="indefinite" restart="never" nodeType="tmRoot"/>
-      </p:par>
-    </p:tnLst>
-  </p:timing>
-</p:sld>
-</file>
-
-<file path=ppt/slides/slide11.xml><?xml version="1.0" encoding="utf-8"?>
-<p:sld xmlns:a="http://schemas.openxmlformats.org/drawingml/2006/main" xmlns:r="http://schemas.openxmlformats.org/officeDocument/2006/relationships" xmlns:p="http://schemas.openxmlformats.org/presentationml/2006/main">
-  <p:cSld>
-    <p:spTree>
-      <p:nvGrpSpPr>
-        <p:cNvPr id="1" name=""/>
-        <p:cNvGrpSpPr/>
-        <p:nvPr/>
-      </p:nvGrpSpPr>
-      <p:grpSpPr>
-        <a:xfrm>
-          <a:off x="0" y="0"/>
-          <a:ext cx="0" cy="0"/>
-          <a:chOff x="0" y="0"/>
-          <a:chExt cx="0" cy="0"/>
-        </a:xfrm>
-      </p:grpSpPr>
-      <p:sp>
-        <p:nvSpPr>
-          <p:cNvPr id="2" name="Title 1"/>
-          <p:cNvSpPr>
-            <a:spLocks noGrp="1"/>
-          </p:cNvSpPr>
-          <p:nvPr>
-            <p:ph type="title"/>
-          </p:nvPr>
-        </p:nvSpPr>
-        <p:spPr>
-          <a:xfrm>
-            <a:off x="1089024" y="274637"/>
-            <a:ext cx="7026147" cy="682101"/>
-          </a:xfrm>
-        </p:spPr>
-        <p:txBody>
-          <a:bodyPr/>
-          <a:lstStyle/>
-          <a:p>
-            <a:r>
-              <a:rPr lang="en-US" sz="2400" dirty="0" smtClean="0"/>
-              <a:t>JPA Configuration</a:t>
-            </a:r>
-            <a:endParaRPr lang="en-US" sz="2400" dirty="0"/>
-          </a:p>
-        </p:txBody>
-      </p:sp>
-      <p:sp>
-        <p:nvSpPr>
-          <p:cNvPr id="3" name="Content Placeholder 2"/>
-          <p:cNvSpPr>
-            <a:spLocks noGrp="1"/>
-          </p:cNvSpPr>
-          <p:nvPr>
-            <p:ph idx="1"/>
-          </p:nvPr>
-        </p:nvSpPr>
-        <p:spPr>
-          <a:xfrm>
-            <a:off x="1089024" y="1088702"/>
-            <a:ext cx="7272339" cy="5037461"/>
-          </a:xfrm>
-        </p:spPr>
-        <p:txBody>
-          <a:bodyPr>
-            <a:normAutofit fontScale="92500" lnSpcReduction="10000"/>
-          </a:bodyPr>
-          <a:lstStyle/>
-          <a:p>
-            <a:r>
-              <a:rPr lang="en-US" dirty="0" smtClean="0"/>
-              <a:t>JPA specification defines two types of entity managers</a:t>
-            </a:r>
-          </a:p>
-          <a:p>
-            <a:r>
-              <a:rPr lang="en-US" dirty="0" smtClean="0"/>
-              <a:t>  Application-managed and container-managed.</a:t>
-            </a:r>
-          </a:p>
-          <a:p>
-            <a:pPr marL="0" indent="0">
-              <a:buNone/>
-            </a:pPr>
-            <a:r>
-              <a:rPr lang="en-US" dirty="0"/>
-              <a:t>A corresponding spring factory bean produces each flavor of entity manager factory:</a:t>
-            </a:r>
-          </a:p>
-          <a:p>
-            <a:pPr marL="0" lvl="0" indent="0">
-              <a:buNone/>
-            </a:pPr>
-            <a:r>
-              <a:rPr lang="en-US" b="1" dirty="0" err="1" smtClean="0"/>
-              <a:t>LocalEntityManagerFactoryBean</a:t>
-            </a:r>
-            <a:r>
-              <a:rPr lang="en-US" dirty="0" smtClean="0"/>
-              <a:t> </a:t>
-            </a:r>
-            <a:r>
-              <a:rPr lang="en-US" dirty="0"/>
-              <a:t>produces an application-managed </a:t>
-            </a:r>
-            <a:r>
-              <a:rPr lang="en-US" dirty="0" err="1"/>
-              <a:t>EntityManagerFactory</a:t>
-            </a:r>
-            <a:r>
-              <a:rPr lang="en-US" dirty="0"/>
-              <a:t>.</a:t>
-            </a:r>
-          </a:p>
-          <a:p>
-            <a:pPr marL="0" indent="0">
-              <a:buNone/>
-            </a:pPr>
-            <a:r>
-              <a:rPr lang="en-US" dirty="0"/>
-              <a:t> </a:t>
-            </a:r>
-            <a:r>
-              <a:rPr lang="en-US" b="1" dirty="0" err="1" smtClean="0"/>
-              <a:t>LocalContainerEntityManagerFactoryBean</a:t>
-            </a:r>
-            <a:r>
-              <a:rPr lang="en-US" dirty="0" smtClean="0"/>
-              <a:t> </a:t>
-            </a:r>
-            <a:r>
-              <a:rPr lang="en-US" dirty="0"/>
-              <a:t>produces a container-managed </a:t>
-            </a:r>
-            <a:r>
-              <a:rPr lang="en-US" dirty="0" err="1"/>
-              <a:t>EntityManagerFactory</a:t>
-            </a:r>
-            <a:r>
-              <a:rPr lang="en-US" dirty="0"/>
-              <a:t>.</a:t>
-            </a:r>
-          </a:p>
-          <a:p>
-            <a:pPr marL="0" indent="0">
-              <a:buNone/>
-            </a:pPr>
-            <a:r>
-              <a:rPr lang="en-US" dirty="0"/>
-              <a:t> @</a:t>
-            </a:r>
-            <a:r>
-              <a:rPr lang="en-US" dirty="0" err="1"/>
-              <a:t>EnableJpaRepositories</a:t>
-            </a:r>
-            <a:r>
-              <a:rPr lang="en-US" dirty="0"/>
-              <a:t> </a:t>
-            </a:r>
-            <a:r>
-              <a:rPr lang="en-US" dirty="0" smtClean="0"/>
-              <a:t> tells the container that we are using JPA based repositories there is implementation required.</a:t>
-            </a:r>
-            <a:endParaRPr lang="en-US" dirty="0"/>
-          </a:p>
-          <a:p>
-            <a:pPr marL="0" indent="0">
-              <a:buNone/>
-            </a:pPr>
-            <a:endParaRPr lang="en-US" dirty="0"/>
-          </a:p>
-        </p:txBody>
-      </p:sp>
-    </p:spTree>
-    <p:extLst>
-      <p:ext uri="{BB962C8B-B14F-4D97-AF65-F5344CB8AC3E}">
-        <p14:creationId xmlns:p14="http://schemas.microsoft.com/office/powerpoint/2010/main" val="2685578658"/>
-      </p:ext>
-    </p:extLst>
-  </p:cSld>
-  <p:clrMapOvr>
-    <a:masterClrMapping/>
-  </p:clrMapOvr>
-</p:sld>
-</file>
-
-<file path=ppt/slides/slide2.xml><?xml version="1.0" encoding="utf-8"?>
-<p:sld xmlns:a="http://schemas.openxmlformats.org/drawingml/2006/main" xmlns:r="http://schemas.openxmlformats.org/officeDocument/2006/relationships" xmlns:p="http://schemas.openxmlformats.org/presentationml/2006/main">
-  <p:cSld>
-    <p:spTree>
-      <p:nvGrpSpPr>
-        <p:cNvPr id="1" name=""/>
-        <p:cNvGrpSpPr/>
-        <p:nvPr/>
-      </p:nvGrpSpPr>
-      <p:grpSpPr>
-        <a:xfrm>
-          <a:off x="0" y="0"/>
-          <a:ext cx="0" cy="0"/>
-          <a:chOff x="0" y="0"/>
-          <a:chExt cx="0" cy="0"/>
-        </a:xfrm>
-      </p:grpSpPr>
-      <p:sp>
-        <p:nvSpPr>
-          <p:cNvPr id="3" name="Content Placeholder 2"/>
-          <p:cNvSpPr>
-            <a:spLocks noGrp="1"/>
-          </p:cNvSpPr>
-          <p:nvPr>
-            <p:ph idx="1"/>
-          </p:nvPr>
-        </p:nvSpPr>
-        <p:spPr>
-          <a:xfrm>
-            <a:off x="1089024" y="470874"/>
-            <a:ext cx="7272339" cy="5655289"/>
-          </a:xfrm>
-        </p:spPr>
-        <p:txBody>
-          <a:bodyPr/>
-          <a:lstStyle/>
-          <a:p>
-            <a:r>
-              <a:rPr lang="en-US" dirty="0" smtClean="0"/>
-              <a:t>Spring Bean Lifecycle</a:t>
-            </a:r>
-          </a:p>
-          <a:p>
-            <a:r>
-              <a:rPr lang="en-US" dirty="0" smtClean="0"/>
-              <a:t>Special Annotations</a:t>
-            </a:r>
-          </a:p>
-          <a:p>
-            <a:r>
-              <a:rPr lang="en-US" dirty="0" smtClean="0"/>
-              <a:t>Spring Bean Scopes</a:t>
-            </a:r>
-          </a:p>
-          <a:p>
-            <a:r>
-              <a:rPr lang="en-US" dirty="0" smtClean="0"/>
-              <a:t>Conditional </a:t>
-            </a:r>
-            <a:r>
-              <a:rPr lang="en-US" dirty="0" smtClean="0"/>
-              <a:t>Beans</a:t>
-            </a:r>
-          </a:p>
-          <a:p>
-            <a:r>
-              <a:rPr lang="en-US" dirty="0" smtClean="0"/>
-              <a:t>Spring </a:t>
-            </a:r>
-            <a:r>
-              <a:rPr lang="en-US" dirty="0" smtClean="0"/>
-              <a:t>AOP</a:t>
-            </a:r>
-          </a:p>
-          <a:p>
-            <a:r>
-              <a:rPr lang="en-US" dirty="0" smtClean="0"/>
-              <a:t>Transaction Management</a:t>
-            </a:r>
-            <a:endParaRPr lang="en-US" dirty="0"/>
-          </a:p>
-        </p:txBody>
-      </p:sp>
-    </p:spTree>
-    <p:extLst>
-      <p:ext uri="{BB962C8B-B14F-4D97-AF65-F5344CB8AC3E}">
-        <p14:creationId xmlns:p14="http://schemas.microsoft.com/office/powerpoint/2010/main" val="193409461"/>
-      </p:ext>
-    </p:extLst>
-  </p:cSld>
-  <p:clrMapOvr>
-    <a:masterClrMapping/>
-  </p:clrMapOvr>
-  <p:timing>
-    <p:tnLst>
-      <p:par>
-        <p:cTn xmlns:p14="http://schemas.microsoft.com/office/powerpoint/2010/main" id="1" dur="indefinite" restart="never" nodeType="tmRoot"/>
-      </p:par>
-    </p:tnLst>
-  </p:timing>
-</p:sld>
-</file>
-
-<file path=ppt/slides/slide3.xml><?xml version="1.0" encoding="utf-8"?>
-<p:sld xmlns:a="http://schemas.openxmlformats.org/drawingml/2006/main" xmlns:r="http://schemas.openxmlformats.org/officeDocument/2006/relationships" xmlns:p="http://schemas.openxmlformats.org/presentationml/2006/main">
-  <p:cSld>
-    <p:spTree>
-      <p:nvGrpSpPr>
-        <p:cNvPr id="1" name=""/>
-        <p:cNvGrpSpPr/>
-        <p:nvPr/>
-      </p:nvGrpSpPr>
-      <p:grpSpPr>
-        <a:xfrm>
-          <a:off x="0" y="0"/>
-          <a:ext cx="0" cy="0"/>
-          <a:chOff x="0" y="0"/>
-          <a:chExt cx="0" cy="0"/>
-        </a:xfrm>
-      </p:grpSpPr>
-      <p:sp>
-        <p:nvSpPr>
-          <p:cNvPr id="2" name="Title 1"/>
-          <p:cNvSpPr>
-            <a:spLocks noGrp="1"/>
-          </p:cNvSpPr>
-          <p:nvPr>
-            <p:ph type="title"/>
-          </p:nvPr>
-        </p:nvSpPr>
-        <p:spPr>
-          <a:xfrm>
-            <a:off x="1089024" y="274637"/>
-            <a:ext cx="7272339" cy="709919"/>
-          </a:xfrm>
-        </p:spPr>
-        <p:txBody>
-          <a:bodyPr/>
-          <a:lstStyle/>
-          <a:p>
-            <a:r>
-              <a:rPr lang="en-US" sz="2400" dirty="0" smtClean="0"/>
-              <a:t>Spring Bean Lifecycle</a:t>
-            </a:r>
-            <a:endParaRPr lang="en-US" sz="2400" dirty="0"/>
-          </a:p>
-        </p:txBody>
-      </p:sp>
-      <p:sp>
-        <p:nvSpPr>
-          <p:cNvPr id="3" name="Content Placeholder 2"/>
-          <p:cNvSpPr>
-            <a:spLocks noGrp="1"/>
-          </p:cNvSpPr>
-          <p:nvPr>
-            <p:ph idx="1"/>
-          </p:nvPr>
-        </p:nvSpPr>
-        <p:spPr>
-          <a:xfrm>
-            <a:off x="1089024" y="984556"/>
-            <a:ext cx="7272339" cy="5141607"/>
-          </a:xfrm>
-        </p:spPr>
-        <p:txBody>
-          <a:bodyPr/>
-          <a:lstStyle/>
-          <a:p>
-            <a:r>
-              <a:rPr lang="en-US" sz="1600" b="1" dirty="0" smtClean="0"/>
-              <a:t>Unlike normal java beans spring has various life cycle phases in which we can enhance spring bean.</a:t>
-            </a:r>
-          </a:p>
-          <a:p>
-            <a:pPr lvl="1"/>
-            <a:r>
-              <a:rPr lang="en-US" sz="1600" dirty="0"/>
-              <a:t> </a:t>
-            </a:r>
-            <a:r>
-              <a:rPr lang="en-US" sz="1600" dirty="0" smtClean="0"/>
-              <a:t>Instantiation: instantiation of the bean</a:t>
-            </a:r>
-          </a:p>
-          <a:p>
-            <a:pPr lvl="1"/>
-            <a:r>
-              <a:rPr lang="en-US" sz="1600" dirty="0" smtClean="0"/>
-              <a:t>Populates properties: spring inject the properties and other object references.</a:t>
-            </a:r>
-          </a:p>
-          <a:p>
-            <a:pPr lvl="1"/>
-            <a:r>
-              <a:rPr lang="en-US" sz="1600" dirty="0" smtClean="0"/>
-              <a:t>Interface </a:t>
-            </a:r>
-            <a:r>
-              <a:rPr lang="en-US" sz="1600" dirty="0" err="1" smtClean="0"/>
-              <a:t>BeanNameAware</a:t>
-            </a:r>
-            <a:r>
-              <a:rPr lang="en-US" sz="1600" dirty="0" smtClean="0"/>
-              <a:t> : </a:t>
-            </a:r>
-            <a:r>
-              <a:rPr lang="en-US" sz="1600" dirty="0" err="1" smtClean="0"/>
-              <a:t>setBeanName</a:t>
-            </a:r>
-            <a:r>
-              <a:rPr lang="en-US" sz="1600" dirty="0" smtClean="0"/>
-              <a:t> method</a:t>
-            </a:r>
-          </a:p>
-          <a:p>
-            <a:pPr lvl="1"/>
-            <a:r>
-              <a:rPr lang="en-US" sz="1600" dirty="0" smtClean="0"/>
-              <a:t>Interface </a:t>
-            </a:r>
-            <a:r>
-              <a:rPr lang="en-US" sz="1600" dirty="0" err="1" smtClean="0"/>
-              <a:t>BeanFactoryAware</a:t>
-            </a:r>
-            <a:r>
-              <a:rPr lang="en-US" sz="1600" dirty="0" smtClean="0"/>
-              <a:t> :</a:t>
-            </a:r>
-            <a:r>
-              <a:rPr lang="en-US" sz="1600" dirty="0" err="1" smtClean="0"/>
-              <a:t>setBeanFactory</a:t>
-            </a:r>
-            <a:r>
-              <a:rPr lang="en-US" sz="1600" dirty="0" smtClean="0"/>
-              <a:t> method </a:t>
-            </a:r>
-          </a:p>
-          <a:p>
-            <a:pPr lvl="1"/>
-            <a:r>
-              <a:rPr lang="en-US" sz="1600" dirty="0" smtClean="0"/>
-              <a:t>Interface </a:t>
-            </a:r>
-            <a:r>
-              <a:rPr lang="en-US" sz="1600" dirty="0" err="1" smtClean="0"/>
-              <a:t>ApplicationContextAware</a:t>
-            </a:r>
-            <a:r>
-              <a:rPr lang="en-US" sz="1600" dirty="0" smtClean="0"/>
-              <a:t>: </a:t>
-            </a:r>
-            <a:r>
-              <a:rPr lang="en-US" sz="1600" dirty="0" err="1" smtClean="0"/>
-              <a:t>setApplicationContext</a:t>
-            </a:r>
-            <a:r>
-              <a:rPr lang="en-US" sz="1600" dirty="0" smtClean="0"/>
-              <a:t> method</a:t>
-            </a:r>
-          </a:p>
-          <a:p>
-            <a:pPr lvl="1"/>
-            <a:r>
-              <a:rPr lang="en-US" sz="1600" dirty="0" smtClean="0"/>
-              <a:t>Pre-initialization of </a:t>
-            </a:r>
-            <a:r>
-              <a:rPr lang="en-US" sz="1600" dirty="0" err="1" smtClean="0"/>
-              <a:t>BeanPostProcessor</a:t>
-            </a:r>
-            <a:endParaRPr lang="en-US" sz="1600" dirty="0" smtClean="0"/>
-          </a:p>
-          <a:p>
-            <a:pPr lvl="1"/>
-            <a:r>
-              <a:rPr lang="en-US" sz="1600" b="1" dirty="0" smtClean="0"/>
-              <a:t>Interface </a:t>
-            </a:r>
-            <a:r>
-              <a:rPr lang="en-US" sz="1600" b="1" dirty="0" err="1" smtClean="0"/>
-              <a:t>InitializingBean</a:t>
-            </a:r>
-            <a:r>
-              <a:rPr lang="en-US" sz="1600" b="1" dirty="0" smtClean="0"/>
-              <a:t> : </a:t>
-            </a:r>
-            <a:r>
-              <a:rPr lang="en-US" sz="1600" b="1" dirty="0" err="1" smtClean="0"/>
-              <a:t>afterPropertiesSet</a:t>
-            </a:r>
-            <a:r>
-              <a:rPr lang="en-US" sz="1600" b="1" dirty="0" smtClean="0"/>
-              <a:t> </a:t>
-            </a:r>
-          </a:p>
-          <a:p>
-            <a:pPr lvl="1"/>
-            <a:r>
-              <a:rPr lang="en-US" sz="1600" b="1" dirty="0" smtClean="0"/>
-              <a:t>Custom </a:t>
-            </a:r>
-            <a:r>
-              <a:rPr lang="en-US" sz="1600" b="1" dirty="0" err="1" smtClean="0"/>
-              <a:t>init</a:t>
-            </a:r>
-            <a:r>
-              <a:rPr lang="en-US" sz="1600" b="1" dirty="0" smtClean="0"/>
-              <a:t> method:  incase any custom </a:t>
-            </a:r>
-            <a:r>
-              <a:rPr lang="en-US" sz="1600" b="1" dirty="0" err="1" smtClean="0"/>
-              <a:t>init</a:t>
-            </a:r>
-            <a:r>
-              <a:rPr lang="en-US" sz="1600" b="1" dirty="0" smtClean="0"/>
-              <a:t> methods</a:t>
-            </a:r>
-          </a:p>
-          <a:p>
-            <a:pPr lvl="1"/>
-            <a:r>
-              <a:rPr lang="en-US" sz="1600" dirty="0" smtClean="0"/>
-              <a:t>Post initialization of </a:t>
-            </a:r>
-            <a:r>
-              <a:rPr lang="en-US" sz="1600" dirty="0" err="1" smtClean="0"/>
-              <a:t>BeanPostProcessor</a:t>
-            </a:r>
-            <a:endParaRPr lang="en-US" sz="1600" dirty="0" smtClean="0"/>
-          </a:p>
-          <a:p>
-            <a:pPr lvl="1"/>
-            <a:r>
-              <a:rPr lang="en-US" sz="1600" dirty="0" smtClean="0"/>
-              <a:t>&lt;&lt;&lt;&lt;&lt;&lt;&lt;  BEAN IS </a:t>
-            </a:r>
-            <a:r>
-              <a:rPr lang="en-US" sz="1600" dirty="0" smtClean="0"/>
-              <a:t>READ </a:t>
-            </a:r>
-            <a:r>
-              <a:rPr lang="en-US" sz="1600" dirty="0" smtClean="0"/>
-              <a:t>TO </a:t>
-            </a:r>
-            <a:r>
-              <a:rPr lang="en-US" sz="1600" dirty="0" smtClean="0"/>
-              <a:t>USE &gt;&gt;&gt;&gt;&gt;&gt;&gt;</a:t>
-            </a:r>
-            <a:endParaRPr lang="en-US" sz="1600" dirty="0" smtClean="0"/>
-          </a:p>
-          <a:p>
-            <a:pPr lvl="1"/>
-            <a:r>
-              <a:rPr lang="en-US" sz="1600" b="1" dirty="0" smtClean="0"/>
-              <a:t>Interface </a:t>
-            </a:r>
-            <a:r>
-              <a:rPr lang="en-US" sz="1600" b="1" dirty="0" err="1" smtClean="0"/>
-              <a:t>DisposableBean</a:t>
-            </a:r>
-            <a:r>
-              <a:rPr lang="en-US" sz="1600" b="1" dirty="0" smtClean="0"/>
-              <a:t> : destroy method</a:t>
-            </a:r>
-          </a:p>
-          <a:p>
-            <a:pPr lvl="1"/>
-            <a:r>
-              <a:rPr lang="en-US" sz="1600" b="1" dirty="0" smtClean="0"/>
-              <a:t>Custom Destroy methods </a:t>
-            </a:r>
-          </a:p>
-          <a:p>
-            <a:pPr marL="0" indent="0">
-              <a:buNone/>
-            </a:pPr>
-            <a:endParaRPr lang="en-US" dirty="0"/>
-          </a:p>
-        </p:txBody>
-      </p:sp>
-    </p:spTree>
-    <p:extLst>
-      <p:ext uri="{BB962C8B-B14F-4D97-AF65-F5344CB8AC3E}">
-        <p14:creationId xmlns:p14="http://schemas.microsoft.com/office/powerpoint/2010/main" val="371506307"/>
-      </p:ext>
-    </p:extLst>
-  </p:cSld>
-  <p:clrMapOvr>
-    <a:masterClrMapping/>
-  </p:clrMapOvr>
-  <p:timing>
-    <p:tnLst>
-      <p:par>
-        <p:cTn xmlns:p14="http://schemas.microsoft.com/office/powerpoint/2010/main" id="1" dur="indefinite" restart="never" nodeType="tmRoot"/>
-      </p:par>
-    </p:tnLst>
-  </p:timing>
-</p:sld>
-</file>
-
-<file path=ppt/slides/slide4.xml><?xml version="1.0" encoding="utf-8"?>
-<p:sld xmlns:a="http://schemas.openxmlformats.org/drawingml/2006/main" xmlns:r="http://schemas.openxmlformats.org/officeDocument/2006/relationships" xmlns:p="http://schemas.openxmlformats.org/presentationml/2006/main">
-  <p:cSld>
-    <p:spTree>
-      <p:nvGrpSpPr>
-        <p:cNvPr id="1" name=""/>
-        <p:cNvGrpSpPr/>
-        <p:nvPr/>
-      </p:nvGrpSpPr>
-      <p:grpSpPr>
-        <a:xfrm>
-          <a:off x="0" y="0"/>
-          <a:ext cx="0" cy="0"/>
-          <a:chOff x="0" y="0"/>
-          <a:chExt cx="0" cy="0"/>
-        </a:xfrm>
-      </p:grpSpPr>
-      <p:sp>
-        <p:nvSpPr>
-          <p:cNvPr id="2" name="Title 1"/>
-          <p:cNvSpPr>
-            <a:spLocks noGrp="1"/>
-          </p:cNvSpPr>
-          <p:nvPr>
-            <p:ph type="title"/>
-          </p:nvPr>
-        </p:nvSpPr>
-        <p:spPr>
-          <a:xfrm>
-            <a:off x="1089025" y="274638"/>
-            <a:ext cx="6660008" cy="852608"/>
-          </a:xfrm>
-        </p:spPr>
-        <p:txBody>
-          <a:bodyPr/>
-          <a:lstStyle/>
-          <a:p>
-            <a:r>
-              <a:rPr lang="en-US" sz="2400" dirty="0" smtClean="0"/>
-              <a:t>Spring Annotation</a:t>
-            </a:r>
-            <a:endParaRPr lang="en-US" sz="2400" dirty="0"/>
-          </a:p>
-        </p:txBody>
-      </p:sp>
-      <p:sp>
-        <p:nvSpPr>
-          <p:cNvPr id="3" name="Content Placeholder 2"/>
-          <p:cNvSpPr>
-            <a:spLocks noGrp="1"/>
-          </p:cNvSpPr>
-          <p:nvPr>
-            <p:ph idx="1"/>
-          </p:nvPr>
-        </p:nvSpPr>
-        <p:spPr>
-          <a:xfrm>
-            <a:off x="1089024" y="1127246"/>
-            <a:ext cx="7272339" cy="4998917"/>
-          </a:xfrm>
-        </p:spPr>
-        <p:txBody>
-          <a:bodyPr>
-            <a:normAutofit lnSpcReduction="10000"/>
-          </a:bodyPr>
-          <a:lstStyle/>
-          <a:p>
-            <a:r>
-              <a:rPr lang="en-US" sz="1200" dirty="0" smtClean="0"/>
-              <a:t>@Import : import another Java Configuration</a:t>
-            </a:r>
-          </a:p>
-          <a:p>
-            <a:r>
-              <a:rPr lang="en-US" sz="1200" dirty="0" smtClean="0"/>
-              <a:t>@</a:t>
-            </a:r>
-            <a:r>
-              <a:rPr lang="en-US" sz="1200" dirty="0" err="1" smtClean="0"/>
-              <a:t>ImportResource</a:t>
-            </a:r>
-            <a:r>
-              <a:rPr lang="en-US" sz="1200" dirty="0" smtClean="0"/>
-              <a:t> : import XML configuration</a:t>
-            </a:r>
-          </a:p>
-          <a:p>
-            <a:r>
-              <a:rPr lang="en-US" sz="1200" dirty="0" smtClean="0"/>
-              <a:t>@Configuration: Configuration file</a:t>
-            </a:r>
-          </a:p>
-          <a:p>
-            <a:r>
-              <a:rPr lang="en-US" sz="1200" dirty="0" smtClean="0"/>
-              <a:t>@Conditional: this works with Condition interface</a:t>
-            </a:r>
-          </a:p>
-          <a:p>
-            <a:r>
-              <a:rPr lang="en-US" sz="1200" dirty="0" smtClean="0"/>
-              <a:t>@</a:t>
-            </a:r>
-            <a:r>
-              <a:rPr lang="en-US" sz="1200" dirty="0" err="1" smtClean="0"/>
-              <a:t>EnableAspectJAutoProxy</a:t>
-            </a:r>
-            <a:r>
-              <a:rPr lang="en-US" sz="1200" dirty="0" smtClean="0"/>
-              <a:t>: enabling  auto proxy, @Aspect</a:t>
-            </a:r>
-          </a:p>
-          <a:p>
-            <a:r>
-              <a:rPr lang="en-US" sz="1200" dirty="0" smtClean="0"/>
-              <a:t>@Primary: works with @Component </a:t>
-            </a:r>
-          </a:p>
-          <a:p>
-            <a:r>
-              <a:rPr lang="en-US" sz="1200" dirty="0" smtClean="0"/>
-              <a:t>@Qualifier: works with @</a:t>
-            </a:r>
-            <a:r>
-              <a:rPr lang="en-US" sz="1200" dirty="0" err="1" smtClean="0"/>
-              <a:t>Autowired</a:t>
-            </a:r>
-            <a:r>
-              <a:rPr lang="en-US" sz="1200" dirty="0" smtClean="0"/>
-              <a:t> and @Inject</a:t>
-            </a:r>
-          </a:p>
-          <a:p>
-            <a:r>
-              <a:rPr lang="en-US" sz="1200" dirty="0"/>
-              <a:t>@Scope: to define Score of a bean</a:t>
-            </a:r>
-          </a:p>
-          <a:p>
-            <a:r>
-              <a:rPr lang="en-US" sz="1200" dirty="0"/>
-              <a:t>@Bean: to declare a bean in Java configuration </a:t>
-            </a:r>
-            <a:endParaRPr lang="en-US" sz="1200" dirty="0" smtClean="0"/>
-          </a:p>
-          <a:p>
-            <a:r>
-              <a:rPr lang="en-US" sz="1200" b="1" dirty="0" smtClean="0">
-                <a:solidFill>
-                  <a:srgbClr val="008000"/>
-                </a:solidFill>
-              </a:rPr>
-              <a:t>@</a:t>
-            </a:r>
-            <a:r>
-              <a:rPr lang="en-US" sz="1200" b="1" dirty="0" err="1" smtClean="0">
-                <a:solidFill>
-                  <a:srgbClr val="008000"/>
-                </a:solidFill>
-              </a:rPr>
-              <a:t>ActiveProfiles</a:t>
-            </a:r>
-            <a:r>
-              <a:rPr lang="en-US" sz="1200" b="1" dirty="0" smtClean="0">
-                <a:solidFill>
-                  <a:srgbClr val="008000"/>
-                </a:solidFill>
-              </a:rPr>
-              <a:t>: choose profiles in Test cases</a:t>
-            </a:r>
-          </a:p>
-          <a:p>
-            <a:r>
-              <a:rPr lang="en-US" sz="1200" b="1" dirty="0" smtClean="0">
-                <a:solidFill>
-                  <a:srgbClr val="008000"/>
-                </a:solidFill>
-              </a:rPr>
-              <a:t>@</a:t>
-            </a:r>
-            <a:r>
-              <a:rPr lang="en-US" sz="1200" b="1" dirty="0" err="1" smtClean="0">
-                <a:solidFill>
-                  <a:srgbClr val="008000"/>
-                </a:solidFill>
-              </a:rPr>
-              <a:t>ContextConfiguration</a:t>
-            </a:r>
-            <a:r>
-              <a:rPr lang="en-US" sz="1200" b="1" dirty="0" smtClean="0">
-                <a:solidFill>
-                  <a:srgbClr val="008000"/>
-                </a:solidFill>
-              </a:rPr>
-              <a:t>: To load with configuration test cases</a:t>
-            </a:r>
-          </a:p>
-          <a:p>
-            <a:r>
-              <a:rPr lang="en-US" sz="1200" b="1" dirty="0" smtClean="0">
-                <a:solidFill>
-                  <a:srgbClr val="008000"/>
-                </a:solidFill>
-              </a:rPr>
-              <a:t>@</a:t>
-            </a:r>
-            <a:r>
-              <a:rPr lang="en-US" sz="1200" b="1" dirty="0" err="1" smtClean="0">
-                <a:solidFill>
-                  <a:srgbClr val="008000"/>
-                </a:solidFill>
-              </a:rPr>
-              <a:t>Runwith</a:t>
-            </a:r>
-            <a:r>
-              <a:rPr lang="en-US" sz="1200" b="1" dirty="0" smtClean="0">
-                <a:solidFill>
-                  <a:srgbClr val="008000"/>
-                </a:solidFill>
-              </a:rPr>
-              <a:t>: </a:t>
-            </a:r>
-            <a:r>
-              <a:rPr lang="en-US" sz="1200" b="1" dirty="0" err="1" smtClean="0">
-                <a:solidFill>
-                  <a:srgbClr val="008000"/>
-                </a:solidFill>
-              </a:rPr>
-              <a:t>Runwith</a:t>
-            </a:r>
-            <a:r>
-              <a:rPr lang="en-US" sz="1200" b="1" dirty="0" smtClean="0">
-                <a:solidFill>
-                  <a:srgbClr val="008000"/>
-                </a:solidFill>
-              </a:rPr>
-              <a:t>(SpringJUnit4ClassRunner)</a:t>
-            </a:r>
-          </a:p>
-          <a:p>
-            <a:endParaRPr lang="en-US" dirty="0"/>
-          </a:p>
-        </p:txBody>
-      </p:sp>
-    </p:spTree>
-    <p:extLst>
-      <p:ext uri="{BB962C8B-B14F-4D97-AF65-F5344CB8AC3E}">
-        <p14:creationId xmlns:p14="http://schemas.microsoft.com/office/powerpoint/2010/main" val="2377615527"/>
-      </p:ext>
-    </p:extLst>
-  </p:cSld>
-  <p:clrMapOvr>
-    <a:masterClrMapping/>
-  </p:clrMapOvr>
-  <p:timing>
-    <p:tnLst>
-      <p:par>
-        <p:cTn xmlns:p14="http://schemas.microsoft.com/office/powerpoint/2010/main" id="1" dur="indefinite" restart="never" nodeType="tmRoot"/>
-      </p:par>
-    </p:tnLst>
-  </p:timing>
-</p:sld>
-</file>
-
-<file path=ppt/slides/slide5.xml><?xml version="1.0" encoding="utf-8"?>
-<p:sld xmlns:a="http://schemas.openxmlformats.org/drawingml/2006/main" xmlns:r="http://schemas.openxmlformats.org/officeDocument/2006/relationships" xmlns:p="http://schemas.openxmlformats.org/presentationml/2006/main">
-  <p:cSld>
-    <p:spTree>
-      <p:nvGrpSpPr>
-        <p:cNvPr id="1" name=""/>
-        <p:cNvGrpSpPr/>
-        <p:nvPr/>
-      </p:nvGrpSpPr>
-      <p:grpSpPr>
-        <a:xfrm>
-          <a:off x="0" y="0"/>
-          <a:ext cx="0" cy="0"/>
-          <a:chOff x="0" y="0"/>
-          <a:chExt cx="0" cy="0"/>
-        </a:xfrm>
-      </p:grpSpPr>
-      <p:sp>
-        <p:nvSpPr>
-          <p:cNvPr id="2" name="Title 1"/>
-          <p:cNvSpPr>
-            <a:spLocks noGrp="1"/>
-          </p:cNvSpPr>
-          <p:nvPr>
-            <p:ph type="title"/>
-          </p:nvPr>
-        </p:nvSpPr>
-        <p:spPr>
-          <a:xfrm>
-            <a:off x="1089024" y="274638"/>
-            <a:ext cx="6731361" cy="766994"/>
-          </a:xfrm>
-        </p:spPr>
-        <p:txBody>
-          <a:bodyPr/>
-          <a:lstStyle/>
-          <a:p>
-            <a:r>
-              <a:rPr lang="en-US" sz="2800" dirty="0" smtClean="0"/>
-              <a:t>Session Scope Bean</a:t>
-            </a:r>
-            <a:endParaRPr lang="en-US" sz="2800" dirty="0"/>
-          </a:p>
-        </p:txBody>
-      </p:sp>
-      <p:sp>
-        <p:nvSpPr>
-          <p:cNvPr id="3" name="Content Placeholder 2"/>
-          <p:cNvSpPr>
-            <a:spLocks noGrp="1"/>
-          </p:cNvSpPr>
-          <p:nvPr>
-            <p:ph idx="1"/>
-          </p:nvPr>
-        </p:nvSpPr>
-        <p:spPr>
-          <a:xfrm>
-            <a:off x="1089024" y="1155784"/>
-            <a:ext cx="7272339" cy="4970380"/>
-          </a:xfrm>
-        </p:spPr>
-        <p:txBody>
-          <a:bodyPr/>
-          <a:lstStyle/>
-          <a:p>
-            <a:r>
-              <a:rPr lang="en-US" dirty="0" smtClean="0"/>
-              <a:t>Session Scope Bean is created per session base.</a:t>
-            </a:r>
-          </a:p>
-          <a:p>
-            <a:r>
-              <a:rPr lang="en-US" dirty="0" smtClean="0"/>
-              <a:t>How can we inject Session Scope Bean into Singleton Bean? And how does it works?</a:t>
-            </a:r>
-          </a:p>
-          <a:p>
-            <a:pPr marL="0" indent="0">
-              <a:buNone/>
-            </a:pPr>
-            <a:r>
-              <a:rPr lang="en-US" sz="2000" dirty="0" smtClean="0"/>
-              <a:t>Interface Injection</a:t>
-            </a:r>
-          </a:p>
-          <a:p>
-            <a:pPr marL="0" indent="0">
-              <a:buNone/>
-            </a:pPr>
-            <a:r>
-              <a:rPr lang="en-US" sz="2000" dirty="0" smtClean="0"/>
-              <a:t>@</a:t>
-            </a:r>
-            <a:r>
-              <a:rPr lang="en-US" sz="2000" dirty="0"/>
-              <a:t>Scope(value = </a:t>
-            </a:r>
-            <a:r>
-              <a:rPr lang="en-US" sz="2000" dirty="0" err="1"/>
-              <a:t>WebApplicationContext.</a:t>
-            </a:r>
-            <a:r>
-              <a:rPr lang="en-US" sz="2000" b="1" i="1" dirty="0" err="1"/>
-              <a:t>SCOPE_SESSION</a:t>
-            </a:r>
-            <a:r>
-              <a:rPr lang="en-US" sz="2000" b="1" i="1" dirty="0"/>
-              <a:t>, </a:t>
-            </a:r>
-            <a:r>
-              <a:rPr lang="en-US" sz="2000" b="1" i="1" dirty="0" err="1"/>
-              <a:t>proxyMode</a:t>
-            </a:r>
-            <a:r>
-              <a:rPr lang="en-US" sz="2000" b="1" i="1" dirty="0"/>
-              <a:t> = </a:t>
-            </a:r>
-            <a:r>
-              <a:rPr lang="en-US" sz="2000" b="1" i="1" dirty="0" err="1"/>
-              <a:t>ScopedProxyMode.INTERFACES</a:t>
-            </a:r>
-            <a:r>
-              <a:rPr lang="en-US" sz="2000" b="1" i="1" dirty="0"/>
-              <a:t>)</a:t>
-            </a:r>
-            <a:endParaRPr lang="en-US" sz="2000" dirty="0"/>
-          </a:p>
-          <a:p>
-            <a:pPr marL="0" indent="0">
-              <a:buNone/>
-            </a:pPr>
-            <a:r>
-              <a:rPr lang="en-US" sz="2000" dirty="0" smtClean="0"/>
-              <a:t>Concrete Class Injection</a:t>
-            </a:r>
-          </a:p>
-          <a:p>
-            <a:pPr marL="0" indent="0">
-              <a:buNone/>
-            </a:pPr>
-            <a:r>
-              <a:rPr lang="en-US" sz="2000" dirty="0" smtClean="0"/>
-              <a:t>@</a:t>
-            </a:r>
-            <a:r>
-              <a:rPr lang="en-US" sz="2000" dirty="0"/>
-              <a:t>Scope(value = </a:t>
-            </a:r>
-            <a:r>
-              <a:rPr lang="en-US" sz="2000" dirty="0" err="1"/>
-              <a:t>WebApplicationContext.</a:t>
-            </a:r>
-            <a:r>
-              <a:rPr lang="en-US" sz="2000" b="1" i="1" dirty="0" err="1"/>
-              <a:t>SCOPE_SESSION</a:t>
-            </a:r>
-            <a:r>
-              <a:rPr lang="en-US" sz="2000" b="1" i="1" dirty="0"/>
-              <a:t>, </a:t>
-            </a:r>
-            <a:r>
-              <a:rPr lang="en-US" sz="2000" b="1" i="1" dirty="0" err="1"/>
-              <a:t>proxyMode</a:t>
-            </a:r>
-            <a:r>
-              <a:rPr lang="en-US" sz="2000" b="1" i="1" dirty="0"/>
-              <a:t> = </a:t>
-            </a:r>
-            <a:r>
-              <a:rPr lang="en-US" sz="2000" b="1" i="1" dirty="0" err="1"/>
-              <a:t>ScopedProxyMode.TARGET_CLASS</a:t>
-            </a:r>
-            <a:r>
-              <a:rPr lang="en-US" sz="2000" b="1" i="1" dirty="0" smtClean="0"/>
-              <a:t>)</a:t>
-            </a:r>
-          </a:p>
-          <a:p>
-            <a:endParaRPr lang="en-US" b="1" i="1" dirty="0" smtClean="0"/>
-          </a:p>
-          <a:p>
-            <a:pPr marL="0" indent="0">
-              <a:buNone/>
-            </a:pPr>
-            <a:endParaRPr lang="en-US" dirty="0"/>
-          </a:p>
-        </p:txBody>
-      </p:sp>
-    </p:spTree>
-    <p:extLst>
-      <p:ext uri="{BB962C8B-B14F-4D97-AF65-F5344CB8AC3E}">
-        <p14:creationId xmlns:p14="http://schemas.microsoft.com/office/powerpoint/2010/main" val="3065087429"/>
-      </p:ext>
-    </p:extLst>
-  </p:cSld>
-  <p:clrMapOvr>
-    <a:masterClrMapping/>
-  </p:clrMapOvr>
-  <p:timing>
-    <p:tnLst>
-      <p:par>
-        <p:cTn xmlns:p14="http://schemas.microsoft.com/office/powerpoint/2010/main" id="1" dur="indefinite" restart="never" nodeType="tmRoot"/>
-      </p:par>
-    </p:tnLst>
-  </p:timing>
-</p:sld>
-</file>
-
-<file path=ppt/slides/slide6.xml><?xml version="1.0" encoding="utf-8"?>
-<p:sld xmlns:a="http://schemas.openxmlformats.org/drawingml/2006/main" xmlns:r="http://schemas.openxmlformats.org/officeDocument/2006/relationships" xmlns:p="http://schemas.openxmlformats.org/presentationml/2006/main">
-  <p:cSld>
-    <p:spTree>
-      <p:nvGrpSpPr>
-        <p:cNvPr id="1" name=""/>
-        <p:cNvGrpSpPr/>
-        <p:nvPr/>
-      </p:nvGrpSpPr>
-      <p:grpSpPr>
-        <a:xfrm>
-          <a:off x="0" y="0"/>
-          <a:ext cx="0" cy="0"/>
-          <a:chOff x="0" y="0"/>
-          <a:chExt cx="0" cy="0"/>
-        </a:xfrm>
-      </p:grpSpPr>
-      <p:sp>
-        <p:nvSpPr>
-          <p:cNvPr id="2" name="Title 1"/>
-          <p:cNvSpPr>
-            <a:spLocks noGrp="1"/>
-          </p:cNvSpPr>
-          <p:nvPr>
-            <p:ph type="title"/>
-          </p:nvPr>
-        </p:nvSpPr>
-        <p:spPr>
-          <a:xfrm>
-            <a:off x="1089025" y="274637"/>
-            <a:ext cx="6488758" cy="652843"/>
-          </a:xfrm>
-        </p:spPr>
-        <p:txBody>
-          <a:bodyPr/>
-          <a:lstStyle/>
-          <a:p>
-            <a:r>
-              <a:rPr lang="en-US" sz="2800" dirty="0" smtClean="0"/>
-              <a:t>AOP Terminology</a:t>
-            </a:r>
-            <a:endParaRPr lang="en-US" sz="2800" dirty="0"/>
-          </a:p>
-        </p:txBody>
-      </p:sp>
-      <p:sp>
-        <p:nvSpPr>
-          <p:cNvPr id="3" name="Content Placeholder 2"/>
-          <p:cNvSpPr>
-            <a:spLocks noGrp="1"/>
-          </p:cNvSpPr>
-          <p:nvPr>
-            <p:ph idx="1"/>
-          </p:nvPr>
-        </p:nvSpPr>
-        <p:spPr>
-          <a:xfrm>
-            <a:off x="1089024" y="1112976"/>
-            <a:ext cx="7272339" cy="5013187"/>
-          </a:xfrm>
-        </p:spPr>
-        <p:txBody>
-          <a:bodyPr/>
-          <a:lstStyle/>
-          <a:p>
-            <a:r>
-              <a:rPr lang="en-US" dirty="0" smtClean="0"/>
-              <a:t>Cross-cutting Concerns impact the application in many points. Ex: Logging, Security, Caching and Transaction Management are called cross-cutting concerns.</a:t>
-            </a:r>
-          </a:p>
-          <a:p>
-            <a:r>
-              <a:rPr lang="en-US" dirty="0" smtClean="0"/>
-              <a:t>Using AOP we can define common functionality in one place and we can declaratively define how and where this functionality can be applied.</a:t>
-            </a:r>
-          </a:p>
-          <a:p>
-            <a:r>
-              <a:rPr lang="en-US" dirty="0" smtClean="0"/>
-              <a:t>Cross cutting concerns are modularized into special classes are called </a:t>
-            </a:r>
-            <a:r>
-              <a:rPr lang="en-US" b="1" dirty="0" smtClean="0"/>
-              <a:t>aspects</a:t>
-            </a:r>
-            <a:r>
-              <a:rPr lang="en-US" dirty="0" smtClean="0"/>
-              <a:t>.</a:t>
-            </a:r>
-            <a:endParaRPr lang="en-US" dirty="0"/>
-          </a:p>
-        </p:txBody>
-      </p:sp>
-    </p:spTree>
-    <p:extLst>
-      <p:ext uri="{BB962C8B-B14F-4D97-AF65-F5344CB8AC3E}">
-        <p14:creationId xmlns:p14="http://schemas.microsoft.com/office/powerpoint/2010/main" val="3680182491"/>
-      </p:ext>
-    </p:extLst>
-  </p:cSld>
-  <p:clrMapOvr>
-    <a:masterClrMapping/>
-  </p:clrMapOvr>
-</p:sld>
-</file>
-
-<file path=ppt/slides/slide7.xml><?xml version="1.0" encoding="utf-8"?>
-<p:sld xmlns:a="http://schemas.openxmlformats.org/drawingml/2006/main" xmlns:r="http://schemas.openxmlformats.org/officeDocument/2006/relationships" xmlns:p="http://schemas.openxmlformats.org/presentationml/2006/main">
-  <p:cSld>
-    <p:spTree>
-      <p:nvGrpSpPr>
-        <p:cNvPr id="1" name=""/>
-        <p:cNvGrpSpPr/>
-        <p:nvPr/>
-      </p:nvGrpSpPr>
-      <p:grpSpPr>
-        <a:xfrm>
-          <a:off x="0" y="0"/>
-          <a:ext cx="0" cy="0"/>
-          <a:chOff x="0" y="0"/>
-          <a:chExt cx="0" cy="0"/>
-        </a:xfrm>
-      </p:grpSpPr>
-      <p:sp>
-        <p:nvSpPr>
-          <p:cNvPr id="2" name="Title 1"/>
-          <p:cNvSpPr>
-            <a:spLocks noGrp="1"/>
-          </p:cNvSpPr>
-          <p:nvPr>
-            <p:ph type="title"/>
-          </p:nvPr>
-        </p:nvSpPr>
-        <p:spPr>
-          <a:xfrm>
-            <a:off x="1089024" y="274638"/>
-            <a:ext cx="6717091" cy="610036"/>
-          </a:xfrm>
-        </p:spPr>
-        <p:txBody>
-          <a:bodyPr/>
-          <a:lstStyle/>
-          <a:p>
-            <a:r>
-              <a:rPr lang="en-US" sz="2400" dirty="0" smtClean="0"/>
-              <a:t>AOP Terminology</a:t>
-            </a:r>
-            <a:endParaRPr lang="en-US" sz="2400" dirty="0"/>
-          </a:p>
-        </p:txBody>
-      </p:sp>
-      <p:sp>
-        <p:nvSpPr>
-          <p:cNvPr id="3" name="Content Placeholder 2"/>
-          <p:cNvSpPr>
-            <a:spLocks noGrp="1"/>
-          </p:cNvSpPr>
-          <p:nvPr>
-            <p:ph idx="1"/>
-          </p:nvPr>
-        </p:nvSpPr>
-        <p:spPr>
-          <a:xfrm>
-            <a:off x="1089024" y="1068510"/>
-            <a:ext cx="7272339" cy="5057654"/>
-          </a:xfrm>
-        </p:spPr>
-        <p:txBody>
-          <a:bodyPr>
-            <a:normAutofit lnSpcReduction="10000"/>
-          </a:bodyPr>
-          <a:lstStyle/>
-          <a:p>
-            <a:r>
-              <a:rPr lang="en-US" dirty="0" smtClean="0"/>
-              <a:t>Aspect: modularization of cross-cutting concern</a:t>
-            </a:r>
-          </a:p>
-          <a:p>
-            <a:r>
-              <a:rPr lang="en-US" dirty="0" smtClean="0"/>
-              <a:t>Advice</a:t>
-            </a:r>
-            <a:r>
-              <a:rPr lang="en-US" dirty="0" smtClean="0"/>
-              <a:t>: Job of an Aspect called advice. </a:t>
-            </a:r>
-          </a:p>
-          <a:p>
-            <a:r>
-              <a:rPr lang="en-US" dirty="0" smtClean="0"/>
-              <a:t>Join points: In an application there are many places where we can apply aspect. These points are called join points.</a:t>
-            </a:r>
-          </a:p>
-          <a:p>
-            <a:r>
-              <a:rPr lang="en-US" dirty="0" smtClean="0"/>
-              <a:t>Point cuts: point cuts are the join points where we can woven advice.</a:t>
-            </a:r>
-          </a:p>
-          <a:p>
-            <a:r>
-              <a:rPr lang="en-US" dirty="0" smtClean="0"/>
-              <a:t>Introductions:  inject new methods and attributes into existing classes are called introductions.</a:t>
-            </a:r>
-          </a:p>
-          <a:p>
-            <a:r>
-              <a:rPr lang="en-US" dirty="0" smtClean="0"/>
-              <a:t>Weaving: process of applying aspects to target classes to create new proxies.</a:t>
-            </a:r>
-            <a:endParaRPr lang="en-US" dirty="0"/>
-          </a:p>
-        </p:txBody>
-      </p:sp>
-    </p:spTree>
-    <p:extLst>
-      <p:ext uri="{BB962C8B-B14F-4D97-AF65-F5344CB8AC3E}">
-        <p14:creationId xmlns:p14="http://schemas.microsoft.com/office/powerpoint/2010/main" val="2604999373"/>
-      </p:ext>
-    </p:extLst>
-  </p:cSld>
-  <p:clrMapOvr>
-    <a:masterClrMapping/>
-  </p:clrMapOvr>
-  <p:timing>
-    <p:tnLst>
-      <p:par>
-        <p:cTn xmlns:p14="http://schemas.microsoft.com/office/powerpoint/2010/main" id="1" dur="indefinite" restart="never" nodeType="tmRoot"/>
-      </p:par>
-    </p:tnLst>
-  </p:timing>
-</p:sld>
-</file>
-
-<file path=ppt/slides/slide8.xml><?xml version="1.0" encoding="utf-8"?>
-<p:sld xmlns:a="http://schemas.openxmlformats.org/drawingml/2006/main" xmlns:r="http://schemas.openxmlformats.org/officeDocument/2006/relationships" xmlns:p="http://schemas.openxmlformats.org/presentationml/2006/main">
-  <p:cSld>
-    <p:spTree>
-      <p:nvGrpSpPr>
-        <p:cNvPr id="1" name=""/>
-        <p:cNvGrpSpPr/>
-        <p:nvPr/>
-      </p:nvGrpSpPr>
-      <p:grpSpPr>
-        <a:xfrm>
-          <a:off x="0" y="0"/>
-          <a:ext cx="0" cy="0"/>
-          <a:chOff x="0" y="0"/>
-          <a:chExt cx="0" cy="0"/>
-        </a:xfrm>
-      </p:grpSpPr>
-      <p:sp>
-        <p:nvSpPr>
           <p:cNvPr id="3" name="Content Placeholder 2"/>
           <p:cNvSpPr>
             <a:spLocks noGrp="1"/>
@@ -5492,6 +4049,1732 @@
 </p:sld>
 </file>
 
+<file path=ppt/slides/slide11.xml><?xml version="1.0" encoding="utf-8"?>
+<p:sld xmlns:a="http://schemas.openxmlformats.org/drawingml/2006/main" xmlns:r="http://schemas.openxmlformats.org/officeDocument/2006/relationships" xmlns:p="http://schemas.openxmlformats.org/presentationml/2006/main">
+  <p:cSld>
+    <p:spTree>
+      <p:nvGrpSpPr>
+        <p:cNvPr id="1" name=""/>
+        <p:cNvGrpSpPr/>
+        <p:nvPr/>
+      </p:nvGrpSpPr>
+      <p:grpSpPr>
+        <a:xfrm>
+          <a:off x="0" y="0"/>
+          <a:ext cx="0" cy="0"/>
+          <a:chOff x="0" y="0"/>
+          <a:chExt cx="0" cy="0"/>
+        </a:xfrm>
+      </p:grpSpPr>
+      <p:sp>
+        <p:nvSpPr>
+          <p:cNvPr id="2" name="Title 1"/>
+          <p:cNvSpPr>
+            <a:spLocks noGrp="1"/>
+          </p:cNvSpPr>
+          <p:nvPr>
+            <p:ph type="title"/>
+          </p:nvPr>
+        </p:nvSpPr>
+        <p:spPr>
+          <a:xfrm>
+            <a:off x="1089024" y="274637"/>
+            <a:ext cx="6729251" cy="632615"/>
+          </a:xfrm>
+        </p:spPr>
+        <p:txBody>
+          <a:bodyPr/>
+          <a:lstStyle/>
+          <a:p>
+            <a:r>
+              <a:rPr lang="en-US" sz="2400" dirty="0" smtClean="0"/>
+              <a:t>Spring </a:t>
+            </a:r>
+            <a:r>
+              <a:rPr lang="en-US" sz="2400" dirty="0" err="1" smtClean="0"/>
+              <a:t>WebMvc</a:t>
+            </a:r>
+            <a:endParaRPr lang="en-US" sz="2400" dirty="0"/>
+          </a:p>
+        </p:txBody>
+      </p:sp>
+      <p:sp>
+        <p:nvSpPr>
+          <p:cNvPr id="3" name="Content Placeholder 2"/>
+          <p:cNvSpPr>
+            <a:spLocks noGrp="1"/>
+          </p:cNvSpPr>
+          <p:nvPr>
+            <p:ph idx="1"/>
+          </p:nvPr>
+        </p:nvSpPr>
+        <p:spPr>
+          <a:xfrm>
+            <a:off x="1089024" y="1055712"/>
+            <a:ext cx="7272339" cy="5070452"/>
+          </a:xfrm>
+        </p:spPr>
+        <p:txBody>
+          <a:bodyPr>
+            <a:normAutofit fontScale="92500" lnSpcReduction="10000"/>
+          </a:bodyPr>
+          <a:lstStyle/>
+          <a:p>
+            <a:r>
+              <a:rPr lang="en-US" dirty="0" smtClean="0"/>
+              <a:t>Servlet 3.0 based container looks for the </a:t>
+            </a:r>
+            <a:r>
+              <a:rPr lang="en-US" dirty="0" err="1" smtClean="0"/>
+              <a:t>ServletContainerInitializer</a:t>
+            </a:r>
+            <a:r>
+              <a:rPr lang="en-US" dirty="0" smtClean="0"/>
+              <a:t> implementations for a valid web application. </a:t>
+            </a:r>
+            <a:r>
+              <a:rPr lang="en-US" dirty="0" err="1"/>
+              <a:t>w</a:t>
+            </a:r>
+            <a:r>
+              <a:rPr lang="en-US" dirty="0" err="1" smtClean="0"/>
+              <a:t>eb.xml</a:t>
+            </a:r>
+            <a:r>
+              <a:rPr lang="en-US" dirty="0" smtClean="0"/>
+              <a:t> is not required.</a:t>
+            </a:r>
+          </a:p>
+          <a:p>
+            <a:r>
+              <a:rPr lang="en-US" dirty="0" smtClean="0"/>
+              <a:t>Spring implements this class in </a:t>
+            </a:r>
+            <a:r>
+              <a:rPr lang="en-US" dirty="0" err="1" smtClean="0"/>
+              <a:t>SpringServletContainerInitializer</a:t>
+            </a:r>
+            <a:r>
+              <a:rPr lang="en-US" dirty="0" smtClean="0"/>
+              <a:t> and </a:t>
+            </a:r>
+            <a:r>
+              <a:rPr lang="en-US" dirty="0" err="1" smtClean="0"/>
+              <a:t>delegaters</a:t>
+            </a:r>
+            <a:r>
+              <a:rPr lang="en-US" dirty="0" smtClean="0"/>
+              <a:t> to </a:t>
+            </a:r>
+            <a:r>
+              <a:rPr lang="en-US" dirty="0" err="1" smtClean="0"/>
+              <a:t>WebApplicationInitializer</a:t>
+            </a:r>
+            <a:r>
+              <a:rPr lang="en-US" dirty="0" smtClean="0"/>
+              <a:t> .</a:t>
+            </a:r>
+          </a:p>
+          <a:p>
+            <a:r>
+              <a:rPr lang="en-US" dirty="0" smtClean="0"/>
+              <a:t>Below class used to write </a:t>
+            </a:r>
+            <a:r>
+              <a:rPr lang="en-US" dirty="0" err="1" smtClean="0"/>
+              <a:t>web.xml</a:t>
+            </a:r>
+            <a:r>
+              <a:rPr lang="en-US" dirty="0" smtClean="0"/>
+              <a:t> content using java based configuration </a:t>
+            </a:r>
+            <a:r>
+              <a:rPr lang="en-US" b="1" dirty="0" err="1" smtClean="0"/>
+              <a:t>AbstractAnnotationConfigDispatchServletInitializer</a:t>
+            </a:r>
+            <a:r>
+              <a:rPr lang="en-US" dirty="0" smtClean="0"/>
+              <a:t> </a:t>
+            </a:r>
+          </a:p>
+          <a:p>
+            <a:r>
+              <a:rPr lang="en-US" dirty="0" err="1" smtClean="0"/>
+              <a:t>getRootConfigClass</a:t>
+            </a:r>
+            <a:r>
+              <a:rPr lang="en-US" dirty="0" smtClean="0"/>
+              <a:t>() method returns configuration which is similar to </a:t>
+            </a:r>
+            <a:r>
+              <a:rPr lang="en-US" dirty="0" err="1" smtClean="0"/>
+              <a:t>applicationContext.xml</a:t>
+            </a:r>
+            <a:endParaRPr lang="en-US" dirty="0" smtClean="0"/>
+          </a:p>
+          <a:p>
+            <a:r>
+              <a:rPr lang="en-US" dirty="0" err="1" smtClean="0"/>
+              <a:t>getServletConfigClasses</a:t>
+            </a:r>
+            <a:r>
+              <a:rPr lang="en-US" dirty="0" smtClean="0"/>
+              <a:t>() method returns configuration which  is similar to dispatch-</a:t>
+            </a:r>
+            <a:r>
+              <a:rPr lang="en-US" dirty="0" err="1" smtClean="0"/>
+              <a:t>servlet.xml</a:t>
+            </a:r>
+            <a:r>
+              <a:rPr lang="en-US" dirty="0" smtClean="0"/>
+              <a:t> </a:t>
+            </a:r>
+            <a:endParaRPr lang="en-US" dirty="0"/>
+          </a:p>
+        </p:txBody>
+      </p:sp>
+    </p:spTree>
+    <p:extLst>
+      <p:ext uri="{BB962C8B-B14F-4D97-AF65-F5344CB8AC3E}">
+        <p14:creationId xmlns:p14="http://schemas.microsoft.com/office/powerpoint/2010/main" val="296145203"/>
+      </p:ext>
+    </p:extLst>
+  </p:cSld>
+  <p:clrMapOvr>
+    <a:masterClrMapping/>
+  </p:clrMapOvr>
+  <p:timing>
+    <p:tnLst>
+      <p:par>
+        <p:cTn xmlns:p14="http://schemas.microsoft.com/office/powerpoint/2010/main" id="1" dur="indefinite" restart="never" nodeType="tmRoot"/>
+      </p:par>
+    </p:tnLst>
+  </p:timing>
+</p:sld>
+</file>
+
+<file path=ppt/slides/slide12.xml><?xml version="1.0" encoding="utf-8"?>
+<p:sld xmlns:a="http://schemas.openxmlformats.org/drawingml/2006/main" xmlns:r="http://schemas.openxmlformats.org/officeDocument/2006/relationships" xmlns:p="http://schemas.openxmlformats.org/presentationml/2006/main">
+  <p:cSld>
+    <p:spTree>
+      <p:nvGrpSpPr>
+        <p:cNvPr id="1" name=""/>
+        <p:cNvGrpSpPr/>
+        <p:nvPr/>
+      </p:nvGrpSpPr>
+      <p:grpSpPr>
+        <a:xfrm>
+          <a:off x="0" y="0"/>
+          <a:ext cx="0" cy="0"/>
+          <a:chOff x="0" y="0"/>
+          <a:chExt cx="0" cy="0"/>
+        </a:xfrm>
+      </p:grpSpPr>
+      <p:sp>
+        <p:nvSpPr>
+          <p:cNvPr id="2" name="Title 1"/>
+          <p:cNvSpPr>
+            <a:spLocks noGrp="1"/>
+          </p:cNvSpPr>
+          <p:nvPr>
+            <p:ph type="title"/>
+          </p:nvPr>
+        </p:nvSpPr>
+        <p:spPr>
+          <a:xfrm>
+            <a:off x="1089024" y="274637"/>
+            <a:ext cx="6778733" cy="632615"/>
+          </a:xfrm>
+        </p:spPr>
+        <p:txBody>
+          <a:bodyPr/>
+          <a:lstStyle/>
+          <a:p>
+            <a:r>
+              <a:rPr lang="en-US" sz="2400" dirty="0" smtClean="0"/>
+              <a:t>Dispatch-servlet equivalent java </a:t>
+            </a:r>
+            <a:r>
+              <a:rPr lang="en-US" sz="2400" dirty="0" err="1" smtClean="0"/>
+              <a:t>config</a:t>
+            </a:r>
+            <a:endParaRPr lang="en-US" sz="2400" dirty="0"/>
+          </a:p>
+        </p:txBody>
+      </p:sp>
+      <p:sp>
+        <p:nvSpPr>
+          <p:cNvPr id="3" name="Content Placeholder 2"/>
+          <p:cNvSpPr>
+            <a:spLocks noGrp="1"/>
+          </p:cNvSpPr>
+          <p:nvPr>
+            <p:ph idx="1"/>
+          </p:nvPr>
+        </p:nvSpPr>
+        <p:spPr>
+          <a:xfrm>
+            <a:off x="1089024" y="1022720"/>
+            <a:ext cx="7272339" cy="5103443"/>
+          </a:xfrm>
+        </p:spPr>
+        <p:txBody>
+          <a:bodyPr/>
+          <a:lstStyle/>
+          <a:p>
+            <a:r>
+              <a:rPr lang="en-US" dirty="0" smtClean="0"/>
+              <a:t>In-order to achieve this configuration write new class which extends </a:t>
+            </a:r>
+            <a:r>
+              <a:rPr lang="en-US" b="1" dirty="0" err="1" smtClean="0"/>
+              <a:t>WebMvcConfigurerAdapter</a:t>
+            </a:r>
+            <a:r>
+              <a:rPr lang="en-US" b="1" dirty="0" smtClean="0"/>
+              <a:t>. </a:t>
+            </a:r>
+            <a:endParaRPr lang="en-US" b="1" dirty="0"/>
+          </a:p>
+          <a:p>
+            <a:r>
+              <a:rPr lang="en-US" dirty="0" smtClean="0"/>
+              <a:t>Annotate this class with @</a:t>
+            </a:r>
+            <a:r>
+              <a:rPr lang="en-US" dirty="0" err="1" smtClean="0"/>
+              <a:t>EnableWebMvc</a:t>
+            </a:r>
+            <a:r>
+              <a:rPr lang="en-US" dirty="0" smtClean="0"/>
+              <a:t> and override some of the methods or beans like </a:t>
+            </a:r>
+            <a:r>
+              <a:rPr lang="en-US" dirty="0" err="1" smtClean="0"/>
+              <a:t>localeResolver</a:t>
+            </a:r>
+            <a:r>
+              <a:rPr lang="en-US" dirty="0" smtClean="0"/>
+              <a:t> , </a:t>
+            </a:r>
+            <a:r>
+              <a:rPr lang="en-US" dirty="0" err="1" smtClean="0"/>
+              <a:t>viewResolver</a:t>
+            </a:r>
+            <a:r>
+              <a:rPr lang="en-US" dirty="0" smtClean="0"/>
+              <a:t> etc.</a:t>
+            </a:r>
+          </a:p>
+          <a:p>
+            <a:r>
+              <a:rPr lang="en-US" dirty="0" smtClean="0"/>
+              <a:t>Similarly to enable Security write a class which extends </a:t>
+            </a:r>
+            <a:r>
+              <a:rPr lang="en-US" dirty="0" err="1" smtClean="0"/>
+              <a:t>WebSecurityConfigurerAdapter</a:t>
+            </a:r>
+            <a:r>
+              <a:rPr lang="en-US" dirty="0" smtClean="0"/>
+              <a:t> and annotate method with @</a:t>
+            </a:r>
+            <a:r>
+              <a:rPr lang="en-US" dirty="0" err="1" smtClean="0"/>
+              <a:t>EnableWebMvcSecurity</a:t>
+            </a:r>
+            <a:endParaRPr lang="en-US" dirty="0"/>
+          </a:p>
+        </p:txBody>
+      </p:sp>
+    </p:spTree>
+    <p:extLst>
+      <p:ext uri="{BB962C8B-B14F-4D97-AF65-F5344CB8AC3E}">
+        <p14:creationId xmlns:p14="http://schemas.microsoft.com/office/powerpoint/2010/main" val="444929711"/>
+      </p:ext>
+    </p:extLst>
+  </p:cSld>
+  <p:clrMapOvr>
+    <a:masterClrMapping/>
+  </p:clrMapOvr>
+  <p:timing>
+    <p:tnLst>
+      <p:par>
+        <p:cTn xmlns:p14="http://schemas.microsoft.com/office/powerpoint/2010/main" id="1" dur="indefinite" restart="never" nodeType="tmRoot"/>
+      </p:par>
+    </p:tnLst>
+  </p:timing>
+</p:sld>
+</file>
+
+<file path=ppt/slides/slide13.xml><?xml version="1.0" encoding="utf-8"?>
+<p:sld xmlns:a="http://schemas.openxmlformats.org/drawingml/2006/main" xmlns:r="http://schemas.openxmlformats.org/officeDocument/2006/relationships" xmlns:p="http://schemas.openxmlformats.org/presentationml/2006/main">
+  <p:cSld>
+    <p:spTree>
+      <p:nvGrpSpPr>
+        <p:cNvPr id="1" name=""/>
+        <p:cNvGrpSpPr/>
+        <p:nvPr/>
+      </p:nvGrpSpPr>
+      <p:grpSpPr>
+        <a:xfrm>
+          <a:off x="0" y="0"/>
+          <a:ext cx="0" cy="0"/>
+          <a:chOff x="0" y="0"/>
+          <a:chExt cx="0" cy="0"/>
+        </a:xfrm>
+      </p:grpSpPr>
+      <p:sp>
+        <p:nvSpPr>
+          <p:cNvPr id="2" name="Title 1"/>
+          <p:cNvSpPr>
+            <a:spLocks noGrp="1"/>
+          </p:cNvSpPr>
+          <p:nvPr>
+            <p:ph type="title"/>
+          </p:nvPr>
+        </p:nvSpPr>
+        <p:spPr>
+          <a:xfrm>
+            <a:off x="1089024" y="274637"/>
+            <a:ext cx="7026147" cy="682101"/>
+          </a:xfrm>
+        </p:spPr>
+        <p:txBody>
+          <a:bodyPr/>
+          <a:lstStyle/>
+          <a:p>
+            <a:r>
+              <a:rPr lang="en-US" sz="2400" dirty="0" smtClean="0"/>
+              <a:t>JPA Configuration</a:t>
+            </a:r>
+            <a:endParaRPr lang="en-US" sz="2400" dirty="0"/>
+          </a:p>
+        </p:txBody>
+      </p:sp>
+      <p:sp>
+        <p:nvSpPr>
+          <p:cNvPr id="3" name="Content Placeholder 2"/>
+          <p:cNvSpPr>
+            <a:spLocks noGrp="1"/>
+          </p:cNvSpPr>
+          <p:nvPr>
+            <p:ph idx="1"/>
+          </p:nvPr>
+        </p:nvSpPr>
+        <p:spPr>
+          <a:xfrm>
+            <a:off x="1089024" y="1088702"/>
+            <a:ext cx="7272339" cy="5037461"/>
+          </a:xfrm>
+        </p:spPr>
+        <p:txBody>
+          <a:bodyPr>
+            <a:normAutofit fontScale="92500" lnSpcReduction="10000"/>
+          </a:bodyPr>
+          <a:lstStyle/>
+          <a:p>
+            <a:r>
+              <a:rPr lang="en-US" dirty="0" smtClean="0"/>
+              <a:t>JPA specification defines two types of entity managers</a:t>
+            </a:r>
+          </a:p>
+          <a:p>
+            <a:r>
+              <a:rPr lang="en-US" dirty="0" smtClean="0"/>
+              <a:t>  Application-managed and container-managed.</a:t>
+            </a:r>
+          </a:p>
+          <a:p>
+            <a:pPr marL="0" indent="0">
+              <a:buNone/>
+            </a:pPr>
+            <a:r>
+              <a:rPr lang="en-US" dirty="0"/>
+              <a:t>A corresponding spring factory bean produces each flavor of entity manager factory:</a:t>
+            </a:r>
+          </a:p>
+          <a:p>
+            <a:pPr marL="0" lvl="0" indent="0">
+              <a:buNone/>
+            </a:pPr>
+            <a:r>
+              <a:rPr lang="en-US" b="1" dirty="0" err="1" smtClean="0"/>
+              <a:t>LocalEntityManagerFactoryBean</a:t>
+            </a:r>
+            <a:r>
+              <a:rPr lang="en-US" dirty="0" smtClean="0"/>
+              <a:t> </a:t>
+            </a:r>
+            <a:r>
+              <a:rPr lang="en-US" dirty="0"/>
+              <a:t>produces an application-managed </a:t>
+            </a:r>
+            <a:r>
+              <a:rPr lang="en-US" dirty="0" err="1"/>
+              <a:t>EntityManagerFactory</a:t>
+            </a:r>
+            <a:r>
+              <a:rPr lang="en-US" dirty="0"/>
+              <a:t>.</a:t>
+            </a:r>
+          </a:p>
+          <a:p>
+            <a:pPr marL="0" indent="0">
+              <a:buNone/>
+            </a:pPr>
+            <a:r>
+              <a:rPr lang="en-US" dirty="0"/>
+              <a:t> </a:t>
+            </a:r>
+            <a:r>
+              <a:rPr lang="en-US" b="1" dirty="0" err="1" smtClean="0"/>
+              <a:t>LocalContainerEntityManagerFactoryBean</a:t>
+            </a:r>
+            <a:r>
+              <a:rPr lang="en-US" dirty="0" smtClean="0"/>
+              <a:t> </a:t>
+            </a:r>
+            <a:r>
+              <a:rPr lang="en-US" dirty="0"/>
+              <a:t>produces a container-managed </a:t>
+            </a:r>
+            <a:r>
+              <a:rPr lang="en-US" dirty="0" err="1"/>
+              <a:t>EntityManagerFactory</a:t>
+            </a:r>
+            <a:r>
+              <a:rPr lang="en-US" dirty="0"/>
+              <a:t>.</a:t>
+            </a:r>
+          </a:p>
+          <a:p>
+            <a:pPr marL="0" indent="0">
+              <a:buNone/>
+            </a:pPr>
+            <a:r>
+              <a:rPr lang="en-US" dirty="0"/>
+              <a:t> @</a:t>
+            </a:r>
+            <a:r>
+              <a:rPr lang="en-US" dirty="0" err="1"/>
+              <a:t>EnableJpaRepositories</a:t>
+            </a:r>
+            <a:r>
+              <a:rPr lang="en-US" dirty="0"/>
+              <a:t> </a:t>
+            </a:r>
+            <a:r>
+              <a:rPr lang="en-US" dirty="0" smtClean="0"/>
+              <a:t> tells the container that we are using JPA based repositories there is implementation required.</a:t>
+            </a:r>
+            <a:endParaRPr lang="en-US" dirty="0"/>
+          </a:p>
+          <a:p>
+            <a:pPr marL="0" indent="0">
+              <a:buNone/>
+            </a:pPr>
+            <a:endParaRPr lang="en-US" dirty="0"/>
+          </a:p>
+        </p:txBody>
+      </p:sp>
+    </p:spTree>
+    <p:extLst>
+      <p:ext uri="{BB962C8B-B14F-4D97-AF65-F5344CB8AC3E}">
+        <p14:creationId xmlns:p14="http://schemas.microsoft.com/office/powerpoint/2010/main" val="2685578658"/>
+      </p:ext>
+    </p:extLst>
+  </p:cSld>
+  <p:clrMapOvr>
+    <a:masterClrMapping/>
+  </p:clrMapOvr>
+</p:sld>
+</file>
+
+<file path=ppt/slides/slide2.xml><?xml version="1.0" encoding="utf-8"?>
+<p:sld xmlns:a="http://schemas.openxmlformats.org/drawingml/2006/main" xmlns:r="http://schemas.openxmlformats.org/officeDocument/2006/relationships" xmlns:p="http://schemas.openxmlformats.org/presentationml/2006/main">
+  <p:cSld>
+    <p:spTree>
+      <p:nvGrpSpPr>
+        <p:cNvPr id="1" name=""/>
+        <p:cNvGrpSpPr/>
+        <p:nvPr/>
+      </p:nvGrpSpPr>
+      <p:grpSpPr>
+        <a:xfrm>
+          <a:off x="0" y="0"/>
+          <a:ext cx="0" cy="0"/>
+          <a:chOff x="0" y="0"/>
+          <a:chExt cx="0" cy="0"/>
+        </a:xfrm>
+      </p:grpSpPr>
+      <p:sp>
+        <p:nvSpPr>
+          <p:cNvPr id="3" name="Content Placeholder 2"/>
+          <p:cNvSpPr>
+            <a:spLocks noGrp="1"/>
+          </p:cNvSpPr>
+          <p:nvPr>
+            <p:ph idx="1"/>
+          </p:nvPr>
+        </p:nvSpPr>
+        <p:spPr>
+          <a:xfrm>
+            <a:off x="1089024" y="470874"/>
+            <a:ext cx="7272339" cy="5655289"/>
+          </a:xfrm>
+        </p:spPr>
+        <p:txBody>
+          <a:bodyPr/>
+          <a:lstStyle/>
+          <a:p>
+            <a:r>
+              <a:rPr lang="en-US" dirty="0" smtClean="0"/>
+              <a:t>Spring Bean Lifecycle</a:t>
+            </a:r>
+          </a:p>
+          <a:p>
+            <a:r>
+              <a:rPr lang="en-US" dirty="0" smtClean="0"/>
+              <a:t>Special Annotations</a:t>
+            </a:r>
+          </a:p>
+          <a:p>
+            <a:r>
+              <a:rPr lang="en-US" dirty="0" smtClean="0"/>
+              <a:t>Spring Bean Scopes</a:t>
+            </a:r>
+          </a:p>
+          <a:p>
+            <a:r>
+              <a:rPr lang="en-US" dirty="0" smtClean="0"/>
+              <a:t>Conditional Beans</a:t>
+            </a:r>
+          </a:p>
+          <a:p>
+            <a:r>
+              <a:rPr lang="en-US" dirty="0" smtClean="0"/>
+              <a:t>Spring AOP</a:t>
+            </a:r>
+          </a:p>
+          <a:p>
+            <a:r>
+              <a:rPr lang="en-US" dirty="0" smtClean="0"/>
+              <a:t>Transaction Management</a:t>
+            </a:r>
+            <a:endParaRPr lang="en-US" dirty="0"/>
+          </a:p>
+        </p:txBody>
+      </p:sp>
+    </p:spTree>
+    <p:extLst>
+      <p:ext uri="{BB962C8B-B14F-4D97-AF65-F5344CB8AC3E}">
+        <p14:creationId xmlns:p14="http://schemas.microsoft.com/office/powerpoint/2010/main" val="193409461"/>
+      </p:ext>
+    </p:extLst>
+  </p:cSld>
+  <p:clrMapOvr>
+    <a:masterClrMapping/>
+  </p:clrMapOvr>
+  <p:timing>
+    <p:tnLst>
+      <p:par>
+        <p:cTn xmlns:p14="http://schemas.microsoft.com/office/powerpoint/2010/main" id="1" dur="indefinite" restart="never" nodeType="tmRoot"/>
+      </p:par>
+    </p:tnLst>
+  </p:timing>
+</p:sld>
+</file>
+
+<file path=ppt/slides/slide3.xml><?xml version="1.0" encoding="utf-8"?>
+<p:sld xmlns:a="http://schemas.openxmlformats.org/drawingml/2006/main" xmlns:r="http://schemas.openxmlformats.org/officeDocument/2006/relationships" xmlns:p="http://schemas.openxmlformats.org/presentationml/2006/main">
+  <p:cSld>
+    <p:spTree>
+      <p:nvGrpSpPr>
+        <p:cNvPr id="1" name=""/>
+        <p:cNvGrpSpPr/>
+        <p:nvPr/>
+      </p:nvGrpSpPr>
+      <p:grpSpPr>
+        <a:xfrm>
+          <a:off x="0" y="0"/>
+          <a:ext cx="0" cy="0"/>
+          <a:chOff x="0" y="0"/>
+          <a:chExt cx="0" cy="0"/>
+        </a:xfrm>
+      </p:grpSpPr>
+      <p:sp>
+        <p:nvSpPr>
+          <p:cNvPr id="2" name="Title 1"/>
+          <p:cNvSpPr>
+            <a:spLocks noGrp="1"/>
+          </p:cNvSpPr>
+          <p:nvPr>
+            <p:ph type="title"/>
+          </p:nvPr>
+        </p:nvSpPr>
+        <p:spPr>
+          <a:xfrm>
+            <a:off x="1089024" y="274637"/>
+            <a:ext cx="7272339" cy="709919"/>
+          </a:xfrm>
+        </p:spPr>
+        <p:txBody>
+          <a:bodyPr/>
+          <a:lstStyle/>
+          <a:p>
+            <a:r>
+              <a:rPr lang="en-US" sz="2400" dirty="0" smtClean="0"/>
+              <a:t>Spring Bean Lifecycle</a:t>
+            </a:r>
+            <a:endParaRPr lang="en-US" sz="2400" dirty="0"/>
+          </a:p>
+        </p:txBody>
+      </p:sp>
+      <p:sp>
+        <p:nvSpPr>
+          <p:cNvPr id="3" name="Content Placeholder 2"/>
+          <p:cNvSpPr>
+            <a:spLocks noGrp="1"/>
+          </p:cNvSpPr>
+          <p:nvPr>
+            <p:ph idx="1"/>
+          </p:nvPr>
+        </p:nvSpPr>
+        <p:spPr>
+          <a:xfrm>
+            <a:off x="1089024" y="984556"/>
+            <a:ext cx="7272339" cy="5141607"/>
+          </a:xfrm>
+        </p:spPr>
+        <p:txBody>
+          <a:bodyPr/>
+          <a:lstStyle/>
+          <a:p>
+            <a:r>
+              <a:rPr lang="en-US" sz="1600" b="1" dirty="0" smtClean="0"/>
+              <a:t>Unlike normal java beans spring has various life cycle phases in which we can enhance spring bean.</a:t>
+            </a:r>
+          </a:p>
+          <a:p>
+            <a:pPr lvl="1"/>
+            <a:r>
+              <a:rPr lang="en-US" sz="1600" dirty="0" smtClean="0"/>
+              <a:t>Instantiation</a:t>
+            </a:r>
+            <a:r>
+              <a:rPr lang="en-US" sz="1600" dirty="0" smtClean="0"/>
+              <a:t>: instantiation of the bean</a:t>
+            </a:r>
+          </a:p>
+          <a:p>
+            <a:pPr lvl="1"/>
+            <a:r>
+              <a:rPr lang="en-US" sz="1600" dirty="0" smtClean="0"/>
+              <a:t>Populates properties: spring inject the properties and other object references.</a:t>
+            </a:r>
+          </a:p>
+          <a:p>
+            <a:pPr lvl="1"/>
+            <a:r>
+              <a:rPr lang="en-US" sz="1600" dirty="0" smtClean="0"/>
+              <a:t>Interface </a:t>
+            </a:r>
+            <a:r>
+              <a:rPr lang="en-US" sz="1600" dirty="0" err="1" smtClean="0"/>
+              <a:t>BeanNameAware</a:t>
+            </a:r>
+            <a:r>
+              <a:rPr lang="en-US" sz="1600" dirty="0" smtClean="0"/>
+              <a:t> : </a:t>
+            </a:r>
+            <a:r>
+              <a:rPr lang="en-US" sz="1600" dirty="0" err="1" smtClean="0"/>
+              <a:t>setBeanName</a:t>
+            </a:r>
+            <a:r>
+              <a:rPr lang="en-US" sz="1600" dirty="0" smtClean="0"/>
+              <a:t> method</a:t>
+            </a:r>
+          </a:p>
+          <a:p>
+            <a:pPr lvl="1"/>
+            <a:r>
+              <a:rPr lang="en-US" sz="1600" dirty="0" smtClean="0"/>
+              <a:t>Interface </a:t>
+            </a:r>
+            <a:r>
+              <a:rPr lang="en-US" sz="1600" dirty="0" err="1" smtClean="0"/>
+              <a:t>BeanFactoryAware</a:t>
+            </a:r>
+            <a:r>
+              <a:rPr lang="en-US" sz="1600" dirty="0" smtClean="0"/>
+              <a:t> :</a:t>
+            </a:r>
+            <a:r>
+              <a:rPr lang="en-US" sz="1600" dirty="0" err="1" smtClean="0"/>
+              <a:t>setBeanFactory</a:t>
+            </a:r>
+            <a:r>
+              <a:rPr lang="en-US" sz="1600" dirty="0" smtClean="0"/>
+              <a:t> method </a:t>
+            </a:r>
+          </a:p>
+          <a:p>
+            <a:pPr lvl="1"/>
+            <a:r>
+              <a:rPr lang="en-US" sz="1600" dirty="0" smtClean="0"/>
+              <a:t>Interface </a:t>
+            </a:r>
+            <a:r>
+              <a:rPr lang="en-US" sz="1600" dirty="0" err="1" smtClean="0"/>
+              <a:t>ApplicationContextAware</a:t>
+            </a:r>
+            <a:r>
+              <a:rPr lang="en-US" sz="1600" dirty="0" smtClean="0"/>
+              <a:t>: </a:t>
+            </a:r>
+            <a:r>
+              <a:rPr lang="en-US" sz="1600" dirty="0" err="1" smtClean="0"/>
+              <a:t>setApplicationContext</a:t>
+            </a:r>
+            <a:r>
+              <a:rPr lang="en-US" sz="1600" dirty="0" smtClean="0"/>
+              <a:t> method</a:t>
+            </a:r>
+          </a:p>
+          <a:p>
+            <a:pPr lvl="1"/>
+            <a:r>
+              <a:rPr lang="en-US" sz="1600" dirty="0" smtClean="0"/>
+              <a:t>Pre-initialization of </a:t>
+            </a:r>
+            <a:r>
+              <a:rPr lang="en-US" sz="1600" dirty="0" err="1" smtClean="0"/>
+              <a:t>BeanPostProcessor</a:t>
+            </a:r>
+            <a:endParaRPr lang="en-US" sz="1600" dirty="0" smtClean="0"/>
+          </a:p>
+          <a:p>
+            <a:pPr lvl="1"/>
+            <a:r>
+              <a:rPr lang="en-US" sz="1600" b="1" dirty="0" smtClean="0"/>
+              <a:t>Interface </a:t>
+            </a:r>
+            <a:r>
+              <a:rPr lang="en-US" sz="1600" b="1" dirty="0" err="1" smtClean="0"/>
+              <a:t>InitializingBean</a:t>
+            </a:r>
+            <a:r>
+              <a:rPr lang="en-US" sz="1600" b="1" dirty="0" smtClean="0"/>
+              <a:t> : </a:t>
+            </a:r>
+            <a:r>
+              <a:rPr lang="en-US" sz="1600" b="1" dirty="0" err="1" smtClean="0"/>
+              <a:t>afterPropertiesSet</a:t>
+            </a:r>
+            <a:r>
+              <a:rPr lang="en-US" sz="1600" b="1" dirty="0" smtClean="0"/>
+              <a:t> </a:t>
+            </a:r>
+          </a:p>
+          <a:p>
+            <a:pPr lvl="1"/>
+            <a:r>
+              <a:rPr lang="en-US" sz="1600" b="1" dirty="0" smtClean="0"/>
+              <a:t>Custom </a:t>
+            </a:r>
+            <a:r>
+              <a:rPr lang="en-US" sz="1600" b="1" dirty="0" err="1" smtClean="0"/>
+              <a:t>init</a:t>
+            </a:r>
+            <a:r>
+              <a:rPr lang="en-US" sz="1600" b="1" dirty="0" smtClean="0"/>
+              <a:t> method:  incase any custom </a:t>
+            </a:r>
+            <a:r>
+              <a:rPr lang="en-US" sz="1600" b="1" dirty="0" err="1" smtClean="0"/>
+              <a:t>init</a:t>
+            </a:r>
+            <a:r>
+              <a:rPr lang="en-US" sz="1600" b="1" dirty="0" smtClean="0"/>
+              <a:t> methods</a:t>
+            </a:r>
+          </a:p>
+          <a:p>
+            <a:pPr lvl="1"/>
+            <a:r>
+              <a:rPr lang="en-US" sz="1600" dirty="0" smtClean="0"/>
+              <a:t>Post initialization of </a:t>
+            </a:r>
+            <a:r>
+              <a:rPr lang="en-US" sz="1600" dirty="0" err="1" smtClean="0"/>
+              <a:t>BeanPostProcessor</a:t>
+            </a:r>
+            <a:endParaRPr lang="en-US" sz="1600" dirty="0" smtClean="0"/>
+          </a:p>
+          <a:p>
+            <a:pPr lvl="1"/>
+            <a:r>
+              <a:rPr lang="en-US" sz="1600" dirty="0" smtClean="0"/>
+              <a:t>&lt;&lt;&lt;&lt;&lt;&lt;&lt;  BEAN IS READ TO USE &gt;&gt;&gt;&gt;&gt;&gt;&gt;</a:t>
+            </a:r>
+          </a:p>
+          <a:p>
+            <a:pPr lvl="1"/>
+            <a:r>
+              <a:rPr lang="en-US" sz="1600" b="1" dirty="0" smtClean="0"/>
+              <a:t>Interface </a:t>
+            </a:r>
+            <a:r>
+              <a:rPr lang="en-US" sz="1600" b="1" dirty="0" err="1" smtClean="0"/>
+              <a:t>DisposableBean</a:t>
+            </a:r>
+            <a:r>
+              <a:rPr lang="en-US" sz="1600" b="1" dirty="0" smtClean="0"/>
+              <a:t> : destroy method</a:t>
+            </a:r>
+          </a:p>
+          <a:p>
+            <a:pPr lvl="1"/>
+            <a:r>
+              <a:rPr lang="en-US" sz="1600" b="1" dirty="0" smtClean="0"/>
+              <a:t>Custom Destroy methods </a:t>
+            </a:r>
+          </a:p>
+          <a:p>
+            <a:pPr marL="0" indent="0">
+              <a:buNone/>
+            </a:pPr>
+            <a:endParaRPr lang="en-US" dirty="0"/>
+          </a:p>
+        </p:txBody>
+      </p:sp>
+    </p:spTree>
+    <p:extLst>
+      <p:ext uri="{BB962C8B-B14F-4D97-AF65-F5344CB8AC3E}">
+        <p14:creationId xmlns:p14="http://schemas.microsoft.com/office/powerpoint/2010/main" val="371506307"/>
+      </p:ext>
+    </p:extLst>
+  </p:cSld>
+  <p:clrMapOvr>
+    <a:masterClrMapping/>
+  </p:clrMapOvr>
+  <p:timing>
+    <p:tnLst>
+      <p:par>
+        <p:cTn xmlns:p14="http://schemas.microsoft.com/office/powerpoint/2010/main" id="1" dur="indefinite" restart="never" nodeType="tmRoot"/>
+      </p:par>
+    </p:tnLst>
+  </p:timing>
+</p:sld>
+</file>
+
+<file path=ppt/slides/slide4.xml><?xml version="1.0" encoding="utf-8"?>
+<p:sld xmlns:a="http://schemas.openxmlformats.org/drawingml/2006/main" xmlns:r="http://schemas.openxmlformats.org/officeDocument/2006/relationships" xmlns:p="http://schemas.openxmlformats.org/presentationml/2006/main">
+  <p:cSld>
+    <p:spTree>
+      <p:nvGrpSpPr>
+        <p:cNvPr id="1" name=""/>
+        <p:cNvGrpSpPr/>
+        <p:nvPr/>
+      </p:nvGrpSpPr>
+      <p:grpSpPr>
+        <a:xfrm>
+          <a:off x="0" y="0"/>
+          <a:ext cx="0" cy="0"/>
+          <a:chOff x="0" y="0"/>
+          <a:chExt cx="0" cy="0"/>
+        </a:xfrm>
+      </p:grpSpPr>
+      <p:sp>
+        <p:nvSpPr>
+          <p:cNvPr id="2" name="Title 1"/>
+          <p:cNvSpPr>
+            <a:spLocks noGrp="1"/>
+          </p:cNvSpPr>
+          <p:nvPr>
+            <p:ph type="title"/>
+          </p:nvPr>
+        </p:nvSpPr>
+        <p:spPr>
+          <a:xfrm>
+            <a:off x="1089025" y="274638"/>
+            <a:ext cx="6660008" cy="852608"/>
+          </a:xfrm>
+        </p:spPr>
+        <p:txBody>
+          <a:bodyPr/>
+          <a:lstStyle/>
+          <a:p>
+            <a:r>
+              <a:rPr lang="en-US" sz="2400" dirty="0" smtClean="0"/>
+              <a:t>Spring Annotation</a:t>
+            </a:r>
+            <a:endParaRPr lang="en-US" sz="2400" dirty="0"/>
+          </a:p>
+        </p:txBody>
+      </p:sp>
+      <p:sp>
+        <p:nvSpPr>
+          <p:cNvPr id="3" name="Content Placeholder 2"/>
+          <p:cNvSpPr>
+            <a:spLocks noGrp="1"/>
+          </p:cNvSpPr>
+          <p:nvPr>
+            <p:ph idx="1"/>
+          </p:nvPr>
+        </p:nvSpPr>
+        <p:spPr>
+          <a:xfrm>
+            <a:off x="1089024" y="1127246"/>
+            <a:ext cx="7272339" cy="4998917"/>
+          </a:xfrm>
+        </p:spPr>
+        <p:txBody>
+          <a:bodyPr>
+            <a:normAutofit lnSpcReduction="10000"/>
+          </a:bodyPr>
+          <a:lstStyle/>
+          <a:p>
+            <a:r>
+              <a:rPr lang="en-US" sz="1200" dirty="0" smtClean="0"/>
+              <a:t>@Import : import another Java Configuration</a:t>
+            </a:r>
+          </a:p>
+          <a:p>
+            <a:r>
+              <a:rPr lang="en-US" sz="1200" dirty="0" smtClean="0"/>
+              <a:t>@</a:t>
+            </a:r>
+            <a:r>
+              <a:rPr lang="en-US" sz="1200" dirty="0" err="1" smtClean="0"/>
+              <a:t>ImportResource</a:t>
+            </a:r>
+            <a:r>
+              <a:rPr lang="en-US" sz="1200" dirty="0" smtClean="0"/>
+              <a:t> : import XML configuration</a:t>
+            </a:r>
+          </a:p>
+          <a:p>
+            <a:r>
+              <a:rPr lang="en-US" sz="1200" dirty="0" smtClean="0"/>
+              <a:t>@Configuration: Configuration </a:t>
+            </a:r>
+            <a:r>
+              <a:rPr lang="en-US" sz="1200" dirty="0" smtClean="0"/>
+              <a:t>file      @Value annotation </a:t>
+            </a:r>
+            <a:r>
+              <a:rPr lang="en-US" sz="1200" smtClean="0"/>
+              <a:t>regEx</a:t>
+            </a:r>
+            <a:endParaRPr lang="en-US" sz="1200" dirty="0" smtClean="0"/>
+          </a:p>
+          <a:p>
+            <a:r>
+              <a:rPr lang="en-US" sz="1200" dirty="0" smtClean="0"/>
+              <a:t>@Conditional: this works with Condition interface</a:t>
+            </a:r>
+          </a:p>
+          <a:p>
+            <a:r>
+              <a:rPr lang="en-US" sz="1200" dirty="0" smtClean="0"/>
+              <a:t>@</a:t>
+            </a:r>
+            <a:r>
+              <a:rPr lang="en-US" sz="1200" dirty="0" err="1" smtClean="0"/>
+              <a:t>EnableAspectJAutoProxy</a:t>
+            </a:r>
+            <a:r>
+              <a:rPr lang="en-US" sz="1200" dirty="0" smtClean="0"/>
+              <a:t>: enabling  auto proxy, @Aspect</a:t>
+            </a:r>
+          </a:p>
+          <a:p>
+            <a:r>
+              <a:rPr lang="en-US" sz="1200" dirty="0" smtClean="0"/>
+              <a:t>@Primary: works with @Component </a:t>
+            </a:r>
+          </a:p>
+          <a:p>
+            <a:r>
+              <a:rPr lang="en-US" sz="1200" dirty="0" smtClean="0"/>
+              <a:t>@Qualifier: works with @</a:t>
+            </a:r>
+            <a:r>
+              <a:rPr lang="en-US" sz="1200" dirty="0" err="1" smtClean="0"/>
+              <a:t>Autowired</a:t>
+            </a:r>
+            <a:r>
+              <a:rPr lang="en-US" sz="1200" dirty="0" smtClean="0"/>
+              <a:t> and @Inject</a:t>
+            </a:r>
+          </a:p>
+          <a:p>
+            <a:r>
+              <a:rPr lang="en-US" sz="1200" dirty="0"/>
+              <a:t>@Scope: to define Score of a bean</a:t>
+            </a:r>
+          </a:p>
+          <a:p>
+            <a:r>
+              <a:rPr lang="en-US" sz="1200" dirty="0"/>
+              <a:t>@Bean: to declare a bean in Java configuration </a:t>
+            </a:r>
+            <a:endParaRPr lang="en-US" sz="1200" dirty="0" smtClean="0"/>
+          </a:p>
+          <a:p>
+            <a:r>
+              <a:rPr lang="en-US" sz="1200" b="1" dirty="0" smtClean="0">
+                <a:solidFill>
+                  <a:srgbClr val="008000"/>
+                </a:solidFill>
+              </a:rPr>
+              <a:t>@</a:t>
+            </a:r>
+            <a:r>
+              <a:rPr lang="en-US" sz="1200" b="1" dirty="0" err="1" smtClean="0">
+                <a:solidFill>
+                  <a:srgbClr val="008000"/>
+                </a:solidFill>
+              </a:rPr>
+              <a:t>ActiveProfiles</a:t>
+            </a:r>
+            <a:r>
+              <a:rPr lang="en-US" sz="1200" b="1" dirty="0" smtClean="0">
+                <a:solidFill>
+                  <a:srgbClr val="008000"/>
+                </a:solidFill>
+              </a:rPr>
+              <a:t>: choose profiles in Test cases</a:t>
+            </a:r>
+          </a:p>
+          <a:p>
+            <a:r>
+              <a:rPr lang="en-US" sz="1200" b="1" dirty="0" smtClean="0">
+                <a:solidFill>
+                  <a:srgbClr val="008000"/>
+                </a:solidFill>
+              </a:rPr>
+              <a:t>@</a:t>
+            </a:r>
+            <a:r>
+              <a:rPr lang="en-US" sz="1200" b="1" dirty="0" err="1" smtClean="0">
+                <a:solidFill>
+                  <a:srgbClr val="008000"/>
+                </a:solidFill>
+              </a:rPr>
+              <a:t>ContextConfiguration</a:t>
+            </a:r>
+            <a:r>
+              <a:rPr lang="en-US" sz="1200" b="1" dirty="0" smtClean="0">
+                <a:solidFill>
+                  <a:srgbClr val="008000"/>
+                </a:solidFill>
+              </a:rPr>
+              <a:t>: To load with configuration test cases</a:t>
+            </a:r>
+          </a:p>
+          <a:p>
+            <a:r>
+              <a:rPr lang="en-US" sz="1200" b="1" dirty="0" smtClean="0">
+                <a:solidFill>
+                  <a:srgbClr val="008000"/>
+                </a:solidFill>
+              </a:rPr>
+              <a:t>@</a:t>
+            </a:r>
+            <a:r>
+              <a:rPr lang="en-US" sz="1200" b="1" dirty="0" err="1" smtClean="0">
+                <a:solidFill>
+                  <a:srgbClr val="008000"/>
+                </a:solidFill>
+              </a:rPr>
+              <a:t>Runwith</a:t>
+            </a:r>
+            <a:r>
+              <a:rPr lang="en-US" sz="1200" b="1" dirty="0" smtClean="0">
+                <a:solidFill>
+                  <a:srgbClr val="008000"/>
+                </a:solidFill>
+              </a:rPr>
+              <a:t>: </a:t>
+            </a:r>
+            <a:r>
+              <a:rPr lang="en-US" sz="1200" b="1" dirty="0" err="1" smtClean="0">
+                <a:solidFill>
+                  <a:srgbClr val="008000"/>
+                </a:solidFill>
+              </a:rPr>
+              <a:t>Runwith</a:t>
+            </a:r>
+            <a:r>
+              <a:rPr lang="en-US" sz="1200" b="1" dirty="0" smtClean="0">
+                <a:solidFill>
+                  <a:srgbClr val="008000"/>
+                </a:solidFill>
+              </a:rPr>
+              <a:t>(SpringJUnit4ClassRunner</a:t>
+            </a:r>
+            <a:r>
+              <a:rPr lang="en-US" sz="1200" b="1" dirty="0" smtClean="0">
+                <a:solidFill>
+                  <a:srgbClr val="008000"/>
+                </a:solidFill>
+              </a:rPr>
+              <a:t>)      </a:t>
+            </a:r>
+            <a:endParaRPr lang="en-US" sz="1200" b="1" dirty="0" smtClean="0">
+              <a:solidFill>
+                <a:srgbClr val="008000"/>
+              </a:solidFill>
+            </a:endParaRPr>
+          </a:p>
+          <a:p>
+            <a:endParaRPr lang="en-US" dirty="0"/>
+          </a:p>
+        </p:txBody>
+      </p:sp>
+    </p:spTree>
+    <p:extLst>
+      <p:ext uri="{BB962C8B-B14F-4D97-AF65-F5344CB8AC3E}">
+        <p14:creationId xmlns:p14="http://schemas.microsoft.com/office/powerpoint/2010/main" val="2377615527"/>
+      </p:ext>
+    </p:extLst>
+  </p:cSld>
+  <p:clrMapOvr>
+    <a:masterClrMapping/>
+  </p:clrMapOvr>
+  <p:timing>
+    <p:tnLst>
+      <p:par>
+        <p:cTn xmlns:p14="http://schemas.microsoft.com/office/powerpoint/2010/main" id="1" dur="indefinite" restart="never" nodeType="tmRoot"/>
+      </p:par>
+    </p:tnLst>
+  </p:timing>
+</p:sld>
+</file>
+
+<file path=ppt/slides/slide5.xml><?xml version="1.0" encoding="utf-8"?>
+<p:sld xmlns:a="http://schemas.openxmlformats.org/drawingml/2006/main" xmlns:r="http://schemas.openxmlformats.org/officeDocument/2006/relationships" xmlns:p="http://schemas.openxmlformats.org/presentationml/2006/main">
+  <p:cSld>
+    <p:spTree>
+      <p:nvGrpSpPr>
+        <p:cNvPr id="1" name=""/>
+        <p:cNvGrpSpPr/>
+        <p:nvPr/>
+      </p:nvGrpSpPr>
+      <p:grpSpPr>
+        <a:xfrm>
+          <a:off x="0" y="0"/>
+          <a:ext cx="0" cy="0"/>
+          <a:chOff x="0" y="0"/>
+          <a:chExt cx="0" cy="0"/>
+        </a:xfrm>
+      </p:grpSpPr>
+      <p:sp>
+        <p:nvSpPr>
+          <p:cNvPr id="2" name="Title 1"/>
+          <p:cNvSpPr>
+            <a:spLocks noGrp="1"/>
+          </p:cNvSpPr>
+          <p:nvPr>
+            <p:ph type="title"/>
+          </p:nvPr>
+        </p:nvSpPr>
+        <p:spPr/>
+        <p:txBody>
+          <a:bodyPr/>
+          <a:lstStyle/>
+          <a:p>
+            <a:r>
+              <a:rPr lang="en-US" dirty="0" smtClean="0"/>
+              <a:t>Enabling profile</a:t>
+            </a:r>
+            <a:endParaRPr lang="en-US" dirty="0"/>
+          </a:p>
+        </p:txBody>
+      </p:sp>
+      <p:sp>
+        <p:nvSpPr>
+          <p:cNvPr id="3" name="Content Placeholder 2"/>
+          <p:cNvSpPr>
+            <a:spLocks noGrp="1"/>
+          </p:cNvSpPr>
+          <p:nvPr>
+            <p:ph idx="1"/>
+          </p:nvPr>
+        </p:nvSpPr>
+        <p:spPr/>
+        <p:txBody>
+          <a:bodyPr/>
+          <a:lstStyle/>
+          <a:p>
+            <a:r>
+              <a:rPr lang="en-US" dirty="0" smtClean="0"/>
+              <a:t>Add </a:t>
+            </a:r>
+            <a:r>
+              <a:rPr lang="en-US" dirty="0" err="1" smtClean="0"/>
+              <a:t>spring.profiles.default</a:t>
+            </a:r>
+            <a:r>
+              <a:rPr lang="en-US" dirty="0" smtClean="0"/>
+              <a:t>=prod as a System property before starting the Container.</a:t>
+            </a:r>
+          </a:p>
+          <a:p>
+            <a:endParaRPr lang="en-US" dirty="0"/>
+          </a:p>
+          <a:p>
+            <a:r>
+              <a:rPr lang="en-US" dirty="0" smtClean="0"/>
+              <a:t>Or </a:t>
+            </a:r>
+            <a:r>
+              <a:rPr lang="en-US" dirty="0" err="1" smtClean="0"/>
+              <a:t>spring.profiles.active</a:t>
+            </a:r>
+            <a:r>
+              <a:rPr lang="en-US" dirty="0" smtClean="0"/>
+              <a:t>=prod is another way of activating profile.</a:t>
+            </a:r>
+            <a:endParaRPr lang="en-US" dirty="0"/>
+          </a:p>
+        </p:txBody>
+      </p:sp>
+    </p:spTree>
+    <p:extLst>
+      <p:ext uri="{BB962C8B-B14F-4D97-AF65-F5344CB8AC3E}">
+        <p14:creationId xmlns:p14="http://schemas.microsoft.com/office/powerpoint/2010/main" val="1854490724"/>
+      </p:ext>
+    </p:extLst>
+  </p:cSld>
+  <p:clrMapOvr>
+    <a:masterClrMapping/>
+  </p:clrMapOvr>
+</p:sld>
+</file>
+
+<file path=ppt/slides/slide6.xml><?xml version="1.0" encoding="utf-8"?>
+<p:sld xmlns:a="http://schemas.openxmlformats.org/drawingml/2006/main" xmlns:r="http://schemas.openxmlformats.org/officeDocument/2006/relationships" xmlns:p="http://schemas.openxmlformats.org/presentationml/2006/main">
+  <p:cSld>
+    <p:spTree>
+      <p:nvGrpSpPr>
+        <p:cNvPr id="1" name=""/>
+        <p:cNvGrpSpPr/>
+        <p:nvPr/>
+      </p:nvGrpSpPr>
+      <p:grpSpPr>
+        <a:xfrm>
+          <a:off x="0" y="0"/>
+          <a:ext cx="0" cy="0"/>
+          <a:chOff x="0" y="0"/>
+          <a:chExt cx="0" cy="0"/>
+        </a:xfrm>
+      </p:grpSpPr>
+      <p:sp>
+        <p:nvSpPr>
+          <p:cNvPr id="2" name="Title 1"/>
+          <p:cNvSpPr>
+            <a:spLocks noGrp="1"/>
+          </p:cNvSpPr>
+          <p:nvPr>
+            <p:ph type="title"/>
+          </p:nvPr>
+        </p:nvSpPr>
+        <p:spPr/>
+        <p:txBody>
+          <a:bodyPr/>
+          <a:lstStyle/>
+          <a:p>
+            <a:r>
+              <a:rPr lang="en-US" dirty="0" smtClean="0"/>
+              <a:t>Conditional Bean</a:t>
+            </a:r>
+            <a:endParaRPr lang="en-US" dirty="0"/>
+          </a:p>
+        </p:txBody>
+      </p:sp>
+      <p:sp>
+        <p:nvSpPr>
+          <p:cNvPr id="3" name="Content Placeholder 2"/>
+          <p:cNvSpPr>
+            <a:spLocks noGrp="1"/>
+          </p:cNvSpPr>
+          <p:nvPr>
+            <p:ph idx="1"/>
+          </p:nvPr>
+        </p:nvSpPr>
+        <p:spPr/>
+        <p:txBody>
+          <a:bodyPr/>
+          <a:lstStyle/>
+          <a:p>
+            <a:r>
+              <a:rPr lang="en-US" dirty="0" smtClean="0"/>
+              <a:t>Entire Spring boot framework designed around with below two items.</a:t>
+            </a:r>
+          </a:p>
+          <a:p>
+            <a:r>
+              <a:rPr lang="en-US" dirty="0" smtClean="0"/>
+              <a:t>1. </a:t>
+            </a:r>
+            <a:r>
+              <a:rPr lang="en-US" b="1" dirty="0" smtClean="0"/>
+              <a:t>Condition</a:t>
+            </a:r>
+            <a:r>
+              <a:rPr lang="en-US" dirty="0" smtClean="0"/>
+              <a:t> interface</a:t>
+            </a:r>
+          </a:p>
+          <a:p>
+            <a:r>
+              <a:rPr lang="en-US" dirty="0" smtClean="0"/>
+              <a:t>2. </a:t>
+            </a:r>
+            <a:r>
+              <a:rPr lang="en-US" b="1" dirty="0" smtClean="0"/>
+              <a:t>@Conditional</a:t>
+            </a:r>
+            <a:r>
+              <a:rPr lang="en-US" dirty="0" smtClean="0"/>
+              <a:t> annotation</a:t>
+            </a:r>
+            <a:endParaRPr lang="en-US" dirty="0"/>
+          </a:p>
+        </p:txBody>
+      </p:sp>
+    </p:spTree>
+    <p:extLst>
+      <p:ext uri="{BB962C8B-B14F-4D97-AF65-F5344CB8AC3E}">
+        <p14:creationId xmlns:p14="http://schemas.microsoft.com/office/powerpoint/2010/main" val="3782209298"/>
+      </p:ext>
+    </p:extLst>
+  </p:cSld>
+  <p:clrMapOvr>
+    <a:masterClrMapping/>
+  </p:clrMapOvr>
+</p:sld>
+</file>
+
+<file path=ppt/slides/slide7.xml><?xml version="1.0" encoding="utf-8"?>
+<p:sld xmlns:a="http://schemas.openxmlformats.org/drawingml/2006/main" xmlns:r="http://schemas.openxmlformats.org/officeDocument/2006/relationships" xmlns:p="http://schemas.openxmlformats.org/presentationml/2006/main">
+  <p:cSld>
+    <p:spTree>
+      <p:nvGrpSpPr>
+        <p:cNvPr id="1" name=""/>
+        <p:cNvGrpSpPr/>
+        <p:nvPr/>
+      </p:nvGrpSpPr>
+      <p:grpSpPr>
+        <a:xfrm>
+          <a:off x="0" y="0"/>
+          <a:ext cx="0" cy="0"/>
+          <a:chOff x="0" y="0"/>
+          <a:chExt cx="0" cy="0"/>
+        </a:xfrm>
+      </p:grpSpPr>
+      <p:sp>
+        <p:nvSpPr>
+          <p:cNvPr id="2" name="Title 1"/>
+          <p:cNvSpPr>
+            <a:spLocks noGrp="1"/>
+          </p:cNvSpPr>
+          <p:nvPr>
+            <p:ph type="title"/>
+          </p:nvPr>
+        </p:nvSpPr>
+        <p:spPr>
+          <a:xfrm>
+            <a:off x="1089024" y="274638"/>
+            <a:ext cx="6731361" cy="766994"/>
+          </a:xfrm>
+        </p:spPr>
+        <p:txBody>
+          <a:bodyPr/>
+          <a:lstStyle/>
+          <a:p>
+            <a:r>
+              <a:rPr lang="en-US" sz="2800" dirty="0" smtClean="0"/>
+              <a:t>Session Scope Bean</a:t>
+            </a:r>
+            <a:endParaRPr lang="en-US" sz="2800" dirty="0"/>
+          </a:p>
+        </p:txBody>
+      </p:sp>
+      <p:sp>
+        <p:nvSpPr>
+          <p:cNvPr id="3" name="Content Placeholder 2"/>
+          <p:cNvSpPr>
+            <a:spLocks noGrp="1"/>
+          </p:cNvSpPr>
+          <p:nvPr>
+            <p:ph idx="1"/>
+          </p:nvPr>
+        </p:nvSpPr>
+        <p:spPr>
+          <a:xfrm>
+            <a:off x="1089024" y="1155784"/>
+            <a:ext cx="7272339" cy="4970380"/>
+          </a:xfrm>
+        </p:spPr>
+        <p:txBody>
+          <a:bodyPr/>
+          <a:lstStyle/>
+          <a:p>
+            <a:r>
+              <a:rPr lang="en-US" dirty="0" smtClean="0"/>
+              <a:t>Session Scope Bean is created per session base.</a:t>
+            </a:r>
+          </a:p>
+          <a:p>
+            <a:r>
+              <a:rPr lang="en-US" dirty="0" smtClean="0"/>
+              <a:t>How can we inject Session Scope Bean into Singleton Bean? And how does it works?</a:t>
+            </a:r>
+          </a:p>
+          <a:p>
+            <a:pPr marL="0" indent="0">
+              <a:buNone/>
+            </a:pPr>
+            <a:r>
+              <a:rPr lang="en-US" sz="2000" dirty="0" smtClean="0"/>
+              <a:t>Interface Injection</a:t>
+            </a:r>
+          </a:p>
+          <a:p>
+            <a:pPr marL="0" indent="0">
+              <a:buNone/>
+            </a:pPr>
+            <a:r>
+              <a:rPr lang="en-US" sz="2000" dirty="0" smtClean="0"/>
+              <a:t>@</a:t>
+            </a:r>
+            <a:r>
+              <a:rPr lang="en-US" sz="2000" dirty="0"/>
+              <a:t>Scope(value = </a:t>
+            </a:r>
+            <a:r>
+              <a:rPr lang="en-US" sz="2000" dirty="0" err="1"/>
+              <a:t>WebApplicationContext.</a:t>
+            </a:r>
+            <a:r>
+              <a:rPr lang="en-US" sz="2000" b="1" i="1" dirty="0" err="1"/>
+              <a:t>SCOPE_SESSION</a:t>
+            </a:r>
+            <a:r>
+              <a:rPr lang="en-US" sz="2000" b="1" i="1" dirty="0"/>
+              <a:t>, </a:t>
+            </a:r>
+            <a:r>
+              <a:rPr lang="en-US" sz="2000" b="1" i="1" dirty="0" err="1"/>
+              <a:t>proxyMode</a:t>
+            </a:r>
+            <a:r>
+              <a:rPr lang="en-US" sz="2000" b="1" i="1" dirty="0"/>
+              <a:t> = </a:t>
+            </a:r>
+            <a:r>
+              <a:rPr lang="en-US" sz="2000" b="1" i="1" dirty="0" err="1"/>
+              <a:t>ScopedProxyMode.INTERFACES</a:t>
+            </a:r>
+            <a:r>
+              <a:rPr lang="en-US" sz="2000" b="1" i="1" dirty="0"/>
+              <a:t>)</a:t>
+            </a:r>
+            <a:endParaRPr lang="en-US" sz="2000" dirty="0"/>
+          </a:p>
+          <a:p>
+            <a:pPr marL="0" indent="0">
+              <a:buNone/>
+            </a:pPr>
+            <a:r>
+              <a:rPr lang="en-US" sz="2000" dirty="0" smtClean="0"/>
+              <a:t>Concrete Class Injection</a:t>
+            </a:r>
+          </a:p>
+          <a:p>
+            <a:pPr marL="0" indent="0">
+              <a:buNone/>
+            </a:pPr>
+            <a:r>
+              <a:rPr lang="en-US" sz="2000" dirty="0" smtClean="0"/>
+              <a:t>@</a:t>
+            </a:r>
+            <a:r>
+              <a:rPr lang="en-US" sz="2000" dirty="0"/>
+              <a:t>Scope(value = </a:t>
+            </a:r>
+            <a:r>
+              <a:rPr lang="en-US" sz="2000" dirty="0" err="1"/>
+              <a:t>WebApplicationContext.</a:t>
+            </a:r>
+            <a:r>
+              <a:rPr lang="en-US" sz="2000" b="1" i="1" dirty="0" err="1"/>
+              <a:t>SCOPE_SESSION</a:t>
+            </a:r>
+            <a:r>
+              <a:rPr lang="en-US" sz="2000" b="1" i="1" dirty="0"/>
+              <a:t>, </a:t>
+            </a:r>
+            <a:r>
+              <a:rPr lang="en-US" sz="2000" b="1" i="1" dirty="0" err="1"/>
+              <a:t>proxyMode</a:t>
+            </a:r>
+            <a:r>
+              <a:rPr lang="en-US" sz="2000" b="1" i="1" dirty="0"/>
+              <a:t> = </a:t>
+            </a:r>
+            <a:r>
+              <a:rPr lang="en-US" sz="2000" b="1" i="1" dirty="0" err="1"/>
+              <a:t>ScopedProxyMode.TARGET_CLASS</a:t>
+            </a:r>
+            <a:r>
+              <a:rPr lang="en-US" sz="2000" b="1" i="1" dirty="0" smtClean="0"/>
+              <a:t>)</a:t>
+            </a:r>
+          </a:p>
+          <a:p>
+            <a:endParaRPr lang="en-US" b="1" i="1" dirty="0" smtClean="0"/>
+          </a:p>
+          <a:p>
+            <a:pPr marL="0" indent="0">
+              <a:buNone/>
+            </a:pPr>
+            <a:endParaRPr lang="en-US" dirty="0"/>
+          </a:p>
+        </p:txBody>
+      </p:sp>
+    </p:spTree>
+    <p:extLst>
+      <p:ext uri="{BB962C8B-B14F-4D97-AF65-F5344CB8AC3E}">
+        <p14:creationId xmlns:p14="http://schemas.microsoft.com/office/powerpoint/2010/main" val="3065087429"/>
+      </p:ext>
+    </p:extLst>
+  </p:cSld>
+  <p:clrMapOvr>
+    <a:masterClrMapping/>
+  </p:clrMapOvr>
+  <p:timing>
+    <p:tnLst>
+      <p:par>
+        <p:cTn xmlns:p14="http://schemas.microsoft.com/office/powerpoint/2010/main" id="1" dur="indefinite" restart="never" nodeType="tmRoot"/>
+      </p:par>
+    </p:tnLst>
+  </p:timing>
+</p:sld>
+</file>
+
+<file path=ppt/slides/slide8.xml><?xml version="1.0" encoding="utf-8"?>
+<p:sld xmlns:a="http://schemas.openxmlformats.org/drawingml/2006/main" xmlns:r="http://schemas.openxmlformats.org/officeDocument/2006/relationships" xmlns:p="http://schemas.openxmlformats.org/presentationml/2006/main">
+  <p:cSld>
+    <p:spTree>
+      <p:nvGrpSpPr>
+        <p:cNvPr id="1" name=""/>
+        <p:cNvGrpSpPr/>
+        <p:nvPr/>
+      </p:nvGrpSpPr>
+      <p:grpSpPr>
+        <a:xfrm>
+          <a:off x="0" y="0"/>
+          <a:ext cx="0" cy="0"/>
+          <a:chOff x="0" y="0"/>
+          <a:chExt cx="0" cy="0"/>
+        </a:xfrm>
+      </p:grpSpPr>
+      <p:sp>
+        <p:nvSpPr>
+          <p:cNvPr id="2" name="Title 1"/>
+          <p:cNvSpPr>
+            <a:spLocks noGrp="1"/>
+          </p:cNvSpPr>
+          <p:nvPr>
+            <p:ph type="title"/>
+          </p:nvPr>
+        </p:nvSpPr>
+        <p:spPr>
+          <a:xfrm>
+            <a:off x="1089025" y="274637"/>
+            <a:ext cx="6488758" cy="652843"/>
+          </a:xfrm>
+        </p:spPr>
+        <p:txBody>
+          <a:bodyPr/>
+          <a:lstStyle/>
+          <a:p>
+            <a:r>
+              <a:rPr lang="en-US" sz="2800" dirty="0" smtClean="0"/>
+              <a:t>AOP Terminology</a:t>
+            </a:r>
+            <a:endParaRPr lang="en-US" sz="2800" dirty="0"/>
+          </a:p>
+        </p:txBody>
+      </p:sp>
+      <p:sp>
+        <p:nvSpPr>
+          <p:cNvPr id="3" name="Content Placeholder 2"/>
+          <p:cNvSpPr>
+            <a:spLocks noGrp="1"/>
+          </p:cNvSpPr>
+          <p:nvPr>
+            <p:ph idx="1"/>
+          </p:nvPr>
+        </p:nvSpPr>
+        <p:spPr>
+          <a:xfrm>
+            <a:off x="1089024" y="1112976"/>
+            <a:ext cx="7272339" cy="5013187"/>
+          </a:xfrm>
+        </p:spPr>
+        <p:txBody>
+          <a:bodyPr/>
+          <a:lstStyle/>
+          <a:p>
+            <a:r>
+              <a:rPr lang="en-US" dirty="0" smtClean="0"/>
+              <a:t>Cross-cutting Concerns impact the application in many points. Ex: Logging, Security, Caching and Transaction Management are called cross-cutting concerns.</a:t>
+            </a:r>
+          </a:p>
+          <a:p>
+            <a:r>
+              <a:rPr lang="en-US" dirty="0" smtClean="0"/>
+              <a:t>Using AOP we can define common functionality in one place and we can declaratively define how and where this functionality can be applied.</a:t>
+            </a:r>
+          </a:p>
+          <a:p>
+            <a:r>
+              <a:rPr lang="en-US" dirty="0" smtClean="0"/>
+              <a:t>Cross cutting concerns are modularized into special classes are called </a:t>
+            </a:r>
+            <a:r>
+              <a:rPr lang="en-US" b="1" dirty="0" smtClean="0"/>
+              <a:t>aspects</a:t>
+            </a:r>
+            <a:r>
+              <a:rPr lang="en-US" dirty="0" smtClean="0"/>
+              <a:t>.</a:t>
+            </a:r>
+            <a:endParaRPr lang="en-US" dirty="0"/>
+          </a:p>
+        </p:txBody>
+      </p:sp>
+    </p:spTree>
+    <p:extLst>
+      <p:ext uri="{BB962C8B-B14F-4D97-AF65-F5344CB8AC3E}">
+        <p14:creationId xmlns:p14="http://schemas.microsoft.com/office/powerpoint/2010/main" val="3680182491"/>
+      </p:ext>
+    </p:extLst>
+  </p:cSld>
+  <p:clrMapOvr>
+    <a:masterClrMapping/>
+  </p:clrMapOvr>
+</p:sld>
+</file>
+
 <file path=ppt/slides/slide9.xml><?xml version="1.0" encoding="utf-8"?>
 <p:sld xmlns:a="http://schemas.openxmlformats.org/drawingml/2006/main" xmlns:r="http://schemas.openxmlformats.org/officeDocument/2006/relationships" xmlns:p="http://schemas.openxmlformats.org/presentationml/2006/main">
   <p:cSld>
@@ -5521,8 +5804,8 @@
         </p:nvSpPr>
         <p:spPr>
           <a:xfrm>
-            <a:off x="1089024" y="274637"/>
-            <a:ext cx="6729251" cy="632615"/>
+            <a:off x="1089024" y="274638"/>
+            <a:ext cx="6717091" cy="610036"/>
           </a:xfrm>
         </p:spPr>
         <p:txBody>
@@ -5531,11 +5814,7 @@
           <a:p>
             <a:r>
               <a:rPr lang="en-US" sz="2400" dirty="0" smtClean="0"/>
-              <a:t>Spring </a:t>
-            </a:r>
-            <a:r>
-              <a:rPr lang="en-US" sz="2400" dirty="0" err="1" smtClean="0"/>
-              <a:t>WebMvc</a:t>
+              <a:t>AOP Terminology</a:t>
             </a:r>
             <a:endParaRPr lang="en-US" sz="2400" dirty="0"/>
           </a:p>
@@ -5553,136 +5832,49 @@
         </p:nvSpPr>
         <p:spPr>
           <a:xfrm>
-            <a:off x="1089024" y="1055712"/>
-            <a:ext cx="7272339" cy="5070452"/>
+            <a:off x="1089024" y="1068510"/>
+            <a:ext cx="7272339" cy="5057654"/>
           </a:xfrm>
         </p:spPr>
         <p:txBody>
           <a:bodyPr>
-            <a:normAutofit fontScale="92500" lnSpcReduction="10000"/>
+            <a:normAutofit lnSpcReduction="10000"/>
           </a:bodyPr>
           <a:lstStyle/>
           <a:p>
             <a:r>
               <a:rPr lang="en-US" dirty="0" smtClean="0"/>
-              <a:t>Servlet 3.0 based container looks for the </a:t>
-            </a:r>
-            <a:r>
-              <a:rPr lang="en-US" dirty="0" err="1" smtClean="0"/>
-              <a:t>ServletContainerInitializer</a:t>
-            </a:r>
+              <a:t>Aspect: modularization of cross-cutting concern</a:t>
+            </a:r>
+          </a:p>
+          <a:p>
             <a:r>
               <a:rPr lang="en-US" dirty="0" smtClean="0"/>
-              <a:t> implementations for a valid web application. </a:t>
-            </a:r>
-            <a:r>
-              <a:rPr lang="en-US" dirty="0" err="1"/>
-              <a:t>w</a:t>
-            </a:r>
-            <a:r>
-              <a:rPr lang="en-US" dirty="0" err="1" smtClean="0"/>
-              <a:t>eb.xml</a:t>
-            </a:r>
+              <a:t>Advice: Job of an Aspect called advice. </a:t>
+            </a:r>
+          </a:p>
+          <a:p>
             <a:r>
               <a:rPr lang="en-US" dirty="0" smtClean="0"/>
-              <a:t> </a:t>
-            </a:r>
+              <a:t>Join points: In an application there are many places where we can apply aspect. These points are called join points.</a:t>
+            </a:r>
+          </a:p>
+          <a:p>
             <a:r>
               <a:rPr lang="en-US" dirty="0" smtClean="0"/>
-              <a:t>is not required.</a:t>
+              <a:t>Point cuts: point cuts are the join points where we can woven advice.</a:t>
             </a:r>
           </a:p>
           <a:p>
             <a:r>
               <a:rPr lang="en-US" dirty="0" smtClean="0"/>
-              <a:t>Spring implements this class in </a:t>
-            </a:r>
-            <a:r>
-              <a:rPr lang="en-US" dirty="0" err="1" smtClean="0"/>
-              <a:t>SpringServletContainerInitializer</a:t>
-            </a:r>
+              <a:t>Introductions:  inject new methods and attributes into existing classes are called introductions.</a:t>
+            </a:r>
+          </a:p>
+          <a:p>
             <a:r>
               <a:rPr lang="en-US" dirty="0" smtClean="0"/>
-              <a:t> and </a:t>
-            </a:r>
-            <a:r>
-              <a:rPr lang="en-US" dirty="0" err="1" smtClean="0"/>
-              <a:t>delegaters</a:t>
-            </a:r>
-            <a:r>
-              <a:rPr lang="en-US" dirty="0" smtClean="0"/>
-              <a:t> to </a:t>
-            </a:r>
-            <a:r>
-              <a:rPr lang="en-US" dirty="0" err="1" smtClean="0"/>
-              <a:t>WebApplicationInitializer</a:t>
-            </a:r>
-            <a:r>
-              <a:rPr lang="en-US" dirty="0" smtClean="0"/>
-              <a:t> .</a:t>
-            </a:r>
-          </a:p>
-          <a:p>
-            <a:r>
-              <a:rPr lang="en-US" dirty="0" smtClean="0"/>
-              <a:t>Below class used to write </a:t>
-            </a:r>
-            <a:r>
-              <a:rPr lang="en-US" dirty="0" err="1" smtClean="0"/>
-              <a:t>web.xml</a:t>
-            </a:r>
-            <a:r>
-              <a:rPr lang="en-US" dirty="0" smtClean="0"/>
-              <a:t> content using java based configuration </a:t>
-            </a:r>
-            <a:r>
-              <a:rPr lang="en-US" b="1" dirty="0" err="1" smtClean="0"/>
-              <a:t>AbstractAnnotationConfigDispatchServletInitializer</a:t>
-            </a:r>
-            <a:r>
-              <a:rPr lang="en-US" dirty="0" smtClean="0"/>
-              <a:t> </a:t>
-            </a:r>
-          </a:p>
-          <a:p>
-            <a:r>
-              <a:rPr lang="en-US" dirty="0" err="1" smtClean="0"/>
-              <a:t>getRootConfigClass</a:t>
-            </a:r>
-            <a:r>
-              <a:rPr lang="en-US" dirty="0" smtClean="0"/>
-              <a:t>() method returns configuration which is similar to </a:t>
-            </a:r>
-            <a:r>
-              <a:rPr lang="en-US" dirty="0" err="1" smtClean="0"/>
-              <a:t>applicationContext.xml</a:t>
-            </a:r>
-            <a:endParaRPr lang="en-US" dirty="0" smtClean="0"/>
-          </a:p>
-          <a:p>
-            <a:r>
-              <a:rPr lang="en-US" dirty="0" err="1" smtClean="0"/>
-              <a:t>getServletConfigClasses</a:t>
-            </a:r>
-            <a:r>
-              <a:rPr lang="en-US" dirty="0" smtClean="0"/>
-              <a:t>() method returns configuration </a:t>
-            </a:r>
-            <a:r>
-              <a:rPr lang="en-US" dirty="0" smtClean="0"/>
-              <a:t>which  is </a:t>
-            </a:r>
-            <a:r>
-              <a:rPr lang="en-US" dirty="0" smtClean="0"/>
-              <a:t>similar to dispatch-</a:t>
-            </a:r>
-            <a:r>
-              <a:rPr lang="en-US" dirty="0" err="1" smtClean="0"/>
-              <a:t>servlet.xml</a:t>
-            </a:r>
-            <a:r>
-              <a:rPr lang="en-US" dirty="0" smtClean="0"/>
-              <a:t> </a:t>
+              <a:t>Weaving: process of applying aspects to target classes to create new proxies.</a:t>
             </a:r>
             <a:endParaRPr lang="en-US" dirty="0"/>
           </a:p>
@@ -5691,7 +5883,7 @@
     </p:spTree>
     <p:extLst>
       <p:ext uri="{BB962C8B-B14F-4D97-AF65-F5344CB8AC3E}">
-        <p14:creationId xmlns:p14="http://schemas.microsoft.com/office/powerpoint/2010/main" val="296145203"/>
+        <p14:creationId xmlns:p14="http://schemas.microsoft.com/office/powerpoint/2010/main" val="2604999373"/>
       </p:ext>
     </p:extLst>
   </p:cSld>
